--- a/GenericITtopic.pptx
+++ b/GenericITtopic.pptx
@@ -10,12 +10,15 @@
     <p:sldId id="257" r:id="rId4"/>
     <p:sldId id="259" r:id="rId5"/>
     <p:sldId id="261" r:id="rId6"/>
-    <p:sldId id="260" r:id="rId7"/>
-    <p:sldId id="262" r:id="rId8"/>
-    <p:sldId id="263" r:id="rId9"/>
-    <p:sldId id="264" r:id="rId10"/>
-    <p:sldId id="265" r:id="rId11"/>
-    <p:sldId id="266" r:id="rId12"/>
+    <p:sldId id="267" r:id="rId7"/>
+    <p:sldId id="268" r:id="rId8"/>
+    <p:sldId id="260" r:id="rId9"/>
+    <p:sldId id="262" r:id="rId10"/>
+    <p:sldId id="263" r:id="rId11"/>
+    <p:sldId id="264" r:id="rId12"/>
+    <p:sldId id="269" r:id="rId13"/>
+    <p:sldId id="265" r:id="rId14"/>
+    <p:sldId id="266" r:id="rId15"/>
   </p:sldIdLst>
   <p:sldSz cx="12192000" cy="6858000"/>
   <p:notesSz cx="6858000" cy="9144000"/>
@@ -305,7 +308,7 @@
           <a:p>
             <a:fld id="{4AAD347D-5ACD-4C99-B74B-A9C85AD731AF}" type="datetimeFigureOut">
               <a:rPr lang="en-US" dirty="0"/>
-              <a:t>9/13/2022</a:t>
+              <a:t>9/14/2022</a:t>
             </a:fld>
             <a:endParaRPr lang="en-US" dirty="0"/>
           </a:p>
@@ -575,7 +578,7 @@
           <a:p>
             <a:fld id="{4509A250-FF31-4206-8172-F9D3106AACB1}" type="datetimeFigureOut">
               <a:rPr lang="en-US" dirty="0"/>
-              <a:t>9/13/2022</a:t>
+              <a:t>9/14/2022</a:t>
             </a:fld>
             <a:endParaRPr lang="en-US" dirty="0"/>
           </a:p>
@@ -764,7 +767,7 @@
           <a:p>
             <a:fld id="{4509A250-FF31-4206-8172-F9D3106AACB1}" type="datetimeFigureOut">
               <a:rPr lang="en-US" dirty="0"/>
-              <a:t>9/13/2022</a:t>
+              <a:t>9/14/2022</a:t>
             </a:fld>
             <a:endParaRPr lang="en-US" dirty="0"/>
           </a:p>
@@ -1027,7 +1030,7 @@
           <a:p>
             <a:fld id="{4509A250-FF31-4206-8172-F9D3106AACB1}" type="datetimeFigureOut">
               <a:rPr lang="en-US" dirty="0"/>
-              <a:t>9/13/2022</a:t>
+              <a:t>9/14/2022</a:t>
             </a:fld>
             <a:endParaRPr lang="en-US" dirty="0"/>
           </a:p>
@@ -1354,7 +1357,7 @@
           <a:p>
             <a:fld id="{4509A250-FF31-4206-8172-F9D3106AACB1}" type="datetimeFigureOut">
               <a:rPr lang="en-US" dirty="0"/>
-              <a:t>9/13/2022</a:t>
+              <a:t>9/14/2022</a:t>
             </a:fld>
             <a:endParaRPr lang="en-US" dirty="0"/>
           </a:p>
@@ -1959,7 +1962,7 @@
           <a:p>
             <a:fld id="{4509A250-FF31-4206-8172-F9D3106AACB1}" type="datetimeFigureOut">
               <a:rPr lang="en-US" dirty="0"/>
-              <a:t>9/13/2022</a:t>
+              <a:t>9/14/2022</a:t>
             </a:fld>
             <a:endParaRPr lang="en-US" dirty="0"/>
           </a:p>
@@ -2801,7 +2804,7 @@
           <a:p>
             <a:fld id="{4509A250-FF31-4206-8172-F9D3106AACB1}" type="datetimeFigureOut">
               <a:rPr lang="en-US" dirty="0"/>
-              <a:t>9/13/2022</a:t>
+              <a:t>9/14/2022</a:t>
             </a:fld>
             <a:endParaRPr lang="en-US" dirty="0"/>
           </a:p>
@@ -2966,7 +2969,7 @@
           <a:p>
             <a:fld id="{4509A250-FF31-4206-8172-F9D3106AACB1}" type="datetimeFigureOut">
               <a:rPr lang="en-US" dirty="0"/>
-              <a:t>9/13/2022</a:t>
+              <a:t>9/14/2022</a:t>
             </a:fld>
             <a:endParaRPr lang="en-US" dirty="0"/>
           </a:p>
@@ -3141,7 +3144,7 @@
           <a:p>
             <a:fld id="{4509A250-FF31-4206-8172-F9D3106AACB1}" type="datetimeFigureOut">
               <a:rPr lang="en-US" dirty="0"/>
-              <a:t>9/13/2022</a:t>
+              <a:t>9/14/2022</a:t>
             </a:fld>
             <a:endParaRPr lang="en-US" dirty="0"/>
           </a:p>
@@ -3306,7 +3309,7 @@
           <a:p>
             <a:fld id="{4509A250-FF31-4206-8172-F9D3106AACB1}" type="datetimeFigureOut">
               <a:rPr lang="en-US" dirty="0"/>
-              <a:t>9/13/2022</a:t>
+              <a:t>9/14/2022</a:t>
             </a:fld>
             <a:endParaRPr lang="en-US" dirty="0"/>
           </a:p>
@@ -3545,7 +3548,7 @@
           <a:p>
             <a:fld id="{4509A250-FF31-4206-8172-F9D3106AACB1}" type="datetimeFigureOut">
               <a:rPr lang="en-US" dirty="0"/>
-              <a:t>9/13/2022</a:t>
+              <a:t>9/14/2022</a:t>
             </a:fld>
             <a:endParaRPr lang="en-US" dirty="0"/>
           </a:p>
@@ -3832,7 +3835,7 @@
           <a:p>
             <a:fld id="{4509A250-FF31-4206-8172-F9D3106AACB1}" type="datetimeFigureOut">
               <a:rPr lang="en-US" dirty="0"/>
-              <a:t>9/13/2022</a:t>
+              <a:t>9/14/2022</a:t>
             </a:fld>
             <a:endParaRPr lang="en-US" dirty="0"/>
           </a:p>
@@ -4265,7 +4268,7 @@
           <a:p>
             <a:fld id="{4509A250-FF31-4206-8172-F9D3106AACB1}" type="datetimeFigureOut">
               <a:rPr lang="en-US" dirty="0"/>
-              <a:t>9/13/2022</a:t>
+              <a:t>9/14/2022</a:t>
             </a:fld>
             <a:endParaRPr lang="en-US" dirty="0"/>
           </a:p>
@@ -4378,7 +4381,7 @@
           <a:p>
             <a:fld id="{4509A250-FF31-4206-8172-F9D3106AACB1}" type="datetimeFigureOut">
               <a:rPr lang="en-US" dirty="0"/>
-              <a:t>9/13/2022</a:t>
+              <a:t>9/14/2022</a:t>
             </a:fld>
             <a:endParaRPr lang="en-US" dirty="0"/>
           </a:p>
@@ -4468,7 +4471,7 @@
           <a:p>
             <a:fld id="{4509A250-FF31-4206-8172-F9D3106AACB1}" type="datetimeFigureOut">
               <a:rPr lang="en-US" dirty="0"/>
-              <a:t>9/13/2022</a:t>
+              <a:t>9/14/2022</a:t>
             </a:fld>
             <a:endParaRPr lang="en-US" dirty="0"/>
           </a:p>
@@ -4742,7 +4745,7 @@
           <a:p>
             <a:fld id="{4509A250-FF31-4206-8172-F9D3106AACB1}" type="datetimeFigureOut">
               <a:rPr lang="en-US" dirty="0"/>
-              <a:t>9/13/2022</a:t>
+              <a:t>9/14/2022</a:t>
             </a:fld>
             <a:endParaRPr lang="en-US" dirty="0"/>
           </a:p>
@@ -5012,7 +5015,7 @@
           <a:p>
             <a:fld id="{4509A250-FF31-4206-8172-F9D3106AACB1}" type="datetimeFigureOut">
               <a:rPr lang="en-US" dirty="0"/>
-              <a:t>9/13/2022</a:t>
+              <a:t>9/14/2022</a:t>
             </a:fld>
             <a:endParaRPr lang="en-US" dirty="0"/>
           </a:p>
@@ -5436,7 +5439,7 @@
           <a:p>
             <a:fld id="{4509A250-FF31-4206-8172-F9D3106AACB1}" type="datetimeFigureOut">
               <a:rPr lang="en-US" dirty="0"/>
-              <a:t>9/13/2022</a:t>
+              <a:t>9/14/2022</a:t>
             </a:fld>
             <a:endParaRPr lang="en-US" dirty="0"/>
           </a:p>
@@ -5994,6 +5997,13 @@
   <p:clrMapOvr>
     <a:masterClrMapping/>
   </p:clrMapOvr>
+  <p:timing>
+    <p:tnLst>
+      <p:par>
+        <p:cTn id="1" dur="indefinite" restart="never" nodeType="tmRoot"/>
+      </p:par>
+    </p:tnLst>
+  </p:timing>
 </p:sld>
 </file>
 
@@ -6024,268 +6034,556 @@
             <p:ph type="title"/>
           </p:nvPr>
         </p:nvSpPr>
-        <p:spPr/>
+        <p:spPr>
+          <a:xfrm>
+            <a:off x="646112" y="452718"/>
+            <a:ext cx="7026536" cy="844067"/>
+          </a:xfrm>
+        </p:spPr>
         <p:txBody>
           <a:bodyPr/>
           <a:lstStyle/>
           <a:p>
             <a:r>
-              <a:rPr lang="hu-HU" dirty="0" smtClean="0"/>
-              <a:t>Források:</a:t>
-            </a:r>
+              <a:rPr lang="hu-HU" dirty="0"/>
+              <a:t>Híres malware támadások</a:t>
+            </a:r>
+          </a:p>
+        </p:txBody>
+      </p:sp>
+      <p:sp>
+        <p:nvSpPr>
+          <p:cNvPr id="3" name="Tartalom helye 2"/>
+          <p:cNvSpPr>
+            <a:spLocks noGrp="1"/>
+          </p:cNvSpPr>
+          <p:nvPr>
+            <p:ph idx="1"/>
+          </p:nvPr>
+        </p:nvSpPr>
+        <p:spPr>
+          <a:xfrm>
+            <a:off x="1103313" y="1524000"/>
+            <a:ext cx="4941887" cy="4724399"/>
+          </a:xfrm>
+        </p:spPr>
+        <p:txBody>
+          <a:bodyPr>
+            <a:normAutofit lnSpcReduction="10000"/>
+          </a:bodyPr>
+          <a:lstStyle/>
+          <a:p>
+            <a:r>
+              <a:rPr lang="hu-HU" dirty="0"/>
+              <a:t>Creeper </a:t>
+            </a:r>
+            <a:r>
+              <a:rPr lang="hu-HU" dirty="0" err="1"/>
+              <a:t>virus</a:t>
+            </a:r>
+            <a:r>
+              <a:rPr lang="hu-HU" dirty="0"/>
+              <a:t> (1971)</a:t>
+            </a:r>
+          </a:p>
+          <a:p>
+            <a:r>
+              <a:rPr lang="hu-HU" dirty="0" err="1"/>
+              <a:t>Brain</a:t>
+            </a:r>
+            <a:r>
+              <a:rPr lang="hu-HU" dirty="0"/>
+              <a:t> </a:t>
+            </a:r>
+            <a:r>
+              <a:rPr lang="hu-HU" dirty="0" err="1"/>
+              <a:t>virus</a:t>
+            </a:r>
+            <a:r>
+              <a:rPr lang="hu-HU" dirty="0"/>
+              <a:t> (1986)</a:t>
+            </a:r>
+          </a:p>
+          <a:p>
+            <a:r>
+              <a:rPr lang="hu-HU" dirty="0"/>
+              <a:t>Morris </a:t>
+            </a:r>
+            <a:r>
+              <a:rPr lang="hu-HU" dirty="0" err="1"/>
+              <a:t>worm</a:t>
+            </a:r>
+            <a:r>
+              <a:rPr lang="hu-HU" dirty="0"/>
+              <a:t> (1988)</a:t>
+            </a:r>
+          </a:p>
+          <a:p>
+            <a:r>
+              <a:rPr lang="hu-HU" dirty="0"/>
+              <a:t>ILOVEYOU </a:t>
+            </a:r>
+            <a:r>
+              <a:rPr lang="hu-HU" dirty="0" err="1"/>
+              <a:t>worm</a:t>
+            </a:r>
+            <a:r>
+              <a:rPr lang="hu-HU" dirty="0"/>
+              <a:t> (2000)</a:t>
+            </a:r>
+          </a:p>
+          <a:p>
+            <a:r>
+              <a:rPr lang="hu-HU" dirty="0"/>
+              <a:t>Mydoom </a:t>
+            </a:r>
+            <a:r>
+              <a:rPr lang="hu-HU" dirty="0" err="1"/>
+              <a:t>worm</a:t>
+            </a:r>
+            <a:r>
+              <a:rPr lang="hu-HU" dirty="0"/>
+              <a:t> (2004)</a:t>
+            </a:r>
+          </a:p>
+          <a:p>
+            <a:r>
+              <a:rPr lang="hu-HU" dirty="0" err="1"/>
+              <a:t>Zeus</a:t>
+            </a:r>
+            <a:r>
+              <a:rPr lang="hu-HU" dirty="0"/>
+              <a:t> </a:t>
+            </a:r>
+            <a:r>
+              <a:rPr lang="hu-HU" dirty="0" err="1"/>
+              <a:t>trojan</a:t>
+            </a:r>
+            <a:r>
+              <a:rPr lang="hu-HU" dirty="0"/>
+              <a:t> (2007)</a:t>
+            </a:r>
+          </a:p>
+          <a:p>
+            <a:r>
+              <a:rPr lang="hu-HU" dirty="0" err="1"/>
+              <a:t>CryptoLocker</a:t>
+            </a:r>
+            <a:r>
+              <a:rPr lang="hu-HU" dirty="0"/>
+              <a:t> </a:t>
+            </a:r>
+            <a:r>
+              <a:rPr lang="hu-HU" dirty="0" err="1"/>
+              <a:t>ransomware</a:t>
+            </a:r>
+            <a:r>
+              <a:rPr lang="hu-HU" dirty="0"/>
+              <a:t> (2013)</a:t>
+            </a:r>
+          </a:p>
+          <a:p>
+            <a:r>
+              <a:rPr lang="hu-HU" dirty="0" err="1"/>
+              <a:t>Emotet</a:t>
+            </a:r>
+            <a:r>
+              <a:rPr lang="hu-HU" dirty="0"/>
+              <a:t> </a:t>
+            </a:r>
+            <a:r>
+              <a:rPr lang="hu-HU" dirty="0" err="1"/>
+              <a:t>trojan</a:t>
+            </a:r>
+            <a:r>
+              <a:rPr lang="hu-HU" dirty="0"/>
+              <a:t> (2014)</a:t>
+            </a:r>
+          </a:p>
+          <a:p>
+            <a:r>
+              <a:rPr lang="hu-HU" dirty="0" err="1"/>
+              <a:t>Mirai</a:t>
+            </a:r>
+            <a:r>
+              <a:rPr lang="hu-HU" dirty="0"/>
+              <a:t> botnet (2016)</a:t>
+            </a:r>
+          </a:p>
+          <a:p>
+            <a:r>
+              <a:rPr lang="hu-HU" dirty="0" err="1"/>
+              <a:t>Petya</a:t>
+            </a:r>
+            <a:r>
+              <a:rPr lang="hu-HU" dirty="0"/>
+              <a:t> </a:t>
+            </a:r>
+            <a:r>
+              <a:rPr lang="hu-HU" dirty="0" err="1"/>
+              <a:t>ransomware</a:t>
+            </a:r>
+            <a:r>
+              <a:rPr lang="hu-HU" dirty="0"/>
+              <a:t>/</a:t>
+            </a:r>
+            <a:r>
+              <a:rPr lang="hu-HU" dirty="0" err="1"/>
+              <a:t>NotPetya</a:t>
+            </a:r>
+            <a:r>
+              <a:rPr lang="hu-HU" dirty="0"/>
+              <a:t> </a:t>
+            </a:r>
+            <a:r>
+              <a:rPr lang="hu-HU" dirty="0" err="1"/>
+              <a:t>wiper</a:t>
+            </a:r>
+            <a:r>
+              <a:rPr lang="hu-HU" dirty="0"/>
+              <a:t> (2016/7)</a:t>
+            </a:r>
+          </a:p>
+          <a:p>
+            <a:r>
+              <a:rPr lang="hu-HU" dirty="0" err="1"/>
+              <a:t>Clop</a:t>
+            </a:r>
+            <a:r>
+              <a:rPr lang="hu-HU" dirty="0"/>
+              <a:t> </a:t>
+            </a:r>
+            <a:r>
+              <a:rPr lang="hu-HU" dirty="0" err="1"/>
+              <a:t>ransomware</a:t>
+            </a:r>
+            <a:r>
+              <a:rPr lang="hu-HU" dirty="0"/>
+              <a:t> (2019-Present)</a:t>
+            </a:r>
+          </a:p>
+          <a:p>
             <a:endParaRPr lang="hu-HU" dirty="0"/>
           </a:p>
         </p:txBody>
       </p:sp>
-      <p:sp>
-        <p:nvSpPr>
-          <p:cNvPr id="3" name="Tartalom helye 2"/>
-          <p:cNvSpPr>
-            <a:spLocks noGrp="1"/>
-          </p:cNvSpPr>
-          <p:nvPr>
-            <p:ph idx="1"/>
-          </p:nvPr>
-        </p:nvSpPr>
-        <p:spPr>
-          <a:xfrm>
-            <a:off x="1103312" y="2052918"/>
-            <a:ext cx="8689081" cy="3907307"/>
-          </a:xfrm>
-        </p:spPr>
-        <p:txBody>
-          <a:bodyPr>
-            <a:normAutofit fontScale="55000" lnSpcReduction="20000"/>
-          </a:bodyPr>
-          <a:lstStyle/>
-          <a:p>
-            <a:r>
-              <a:rPr lang="hu-HU" dirty="0">
-                <a:hlinkClick r:id="rId2"/>
-              </a:rPr>
-              <a:t>https://</a:t>
-            </a:r>
-            <a:r>
-              <a:rPr lang="hu-HU" dirty="0" smtClean="0">
-                <a:hlinkClick r:id="rId2"/>
-              </a:rPr>
-              <a:t>en.wikipedia.org/wiki/Malware</a:t>
-            </a:r>
-            <a:endParaRPr lang="hu-HU" dirty="0" smtClean="0"/>
-          </a:p>
-          <a:p>
-            <a:r>
-              <a:rPr lang="hu-HU" dirty="0">
-                <a:hlinkClick r:id="rId3"/>
-              </a:rPr>
-              <a:t>https://</a:t>
-            </a:r>
-            <a:r>
-              <a:rPr lang="hu-HU" dirty="0" smtClean="0">
-                <a:hlinkClick r:id="rId3"/>
-              </a:rPr>
-              <a:t>www.csoonline.com/article/3663051/11-infamous-malware-attacks-the-first-and-the-worst.html</a:t>
-            </a:r>
-            <a:endParaRPr lang="hu-HU" dirty="0"/>
-          </a:p>
-          <a:p>
-            <a:r>
-              <a:rPr lang="hu-HU" dirty="0" smtClean="0">
-                <a:hlinkClick r:id="rId4"/>
-              </a:rPr>
-              <a:t>https</a:t>
-            </a:r>
-            <a:r>
-              <a:rPr lang="hu-HU" dirty="0">
-                <a:hlinkClick r:id="rId4"/>
-              </a:rPr>
-              <a:t>://</a:t>
-            </a:r>
-            <a:r>
-              <a:rPr lang="hu-HU" dirty="0" smtClean="0">
-                <a:hlinkClick r:id="rId4"/>
-              </a:rPr>
-              <a:t>hu.wikipedia.org/wiki/V%C3%ADrusirt%C3%B3</a:t>
-            </a:r>
-            <a:endParaRPr lang="hu-HU" dirty="0" smtClean="0"/>
-          </a:p>
-          <a:p>
-            <a:r>
-              <a:rPr lang="hu-HU" dirty="0">
-                <a:hlinkClick r:id="rId5"/>
-              </a:rPr>
-              <a:t>https://hu.wizcase.com/antivirus/avast</a:t>
-            </a:r>
-            <a:r>
-              <a:rPr lang="hu-HU" dirty="0" smtClean="0">
-                <a:hlinkClick r:id="rId5"/>
-              </a:rPr>
-              <a:t>/</a:t>
-            </a:r>
-            <a:endParaRPr lang="hu-HU" dirty="0" smtClean="0"/>
-          </a:p>
-          <a:p>
-            <a:r>
-              <a:rPr lang="hu-HU" dirty="0">
-                <a:hlinkClick r:id="rId6"/>
-              </a:rPr>
-              <a:t>https://</a:t>
-            </a:r>
-            <a:r>
-              <a:rPr lang="hu-HU" dirty="0" smtClean="0">
-                <a:hlinkClick r:id="rId6"/>
-              </a:rPr>
-              <a:t>play.google.com/store/apps/details?id=org.malwarebytes.antimalware&amp;hl=hu&amp;gl=NL</a:t>
-            </a:r>
-            <a:endParaRPr lang="hu-HU" dirty="0" smtClean="0"/>
-          </a:p>
-          <a:p>
-            <a:r>
-              <a:rPr lang="hu-HU" dirty="0">
-                <a:hlinkClick r:id="rId7"/>
-              </a:rPr>
-              <a:t>https://</a:t>
-            </a:r>
-            <a:r>
-              <a:rPr lang="hu-HU" dirty="0" smtClean="0">
-                <a:hlinkClick r:id="rId7"/>
-              </a:rPr>
-              <a:t>www.microsoft.com/hu-hu/p/avg-download-center/9nblggh40m0q</a:t>
-            </a:r>
-            <a:endParaRPr lang="hu-HU" dirty="0" smtClean="0"/>
-          </a:p>
-          <a:p>
-            <a:r>
-              <a:rPr lang="hu-HU" dirty="0">
-                <a:hlinkClick r:id="rId8"/>
-              </a:rPr>
-              <a:t>https://cyber-reports.com/2022/05/17/eternity-malware-offers-swiss-army-knife-of-cybercrime-tools</a:t>
-            </a:r>
-            <a:r>
-              <a:rPr lang="hu-HU" dirty="0" smtClean="0">
-                <a:hlinkClick r:id="rId8"/>
-              </a:rPr>
-              <a:t>/</a:t>
-            </a:r>
-            <a:endParaRPr lang="hu-HU" dirty="0" smtClean="0"/>
-          </a:p>
-          <a:p>
-            <a:r>
-              <a:rPr lang="hu-HU" dirty="0">
-                <a:hlinkClick r:id="rId9"/>
-              </a:rPr>
-              <a:t>https://</a:t>
-            </a:r>
-            <a:r>
-              <a:rPr lang="hu-HU" dirty="0" smtClean="0">
-                <a:hlinkClick r:id="rId9"/>
-              </a:rPr>
-              <a:t>www.freepik.com/free-icon/worm_14331531.htm</a:t>
-            </a:r>
-            <a:endParaRPr lang="hu-HU" dirty="0" smtClean="0"/>
-          </a:p>
-          <a:p>
-            <a:r>
-              <a:rPr lang="hu-HU" dirty="0">
-                <a:hlinkClick r:id="rId10"/>
-              </a:rPr>
-              <a:t>https://</a:t>
-            </a:r>
-            <a:r>
-              <a:rPr lang="hu-HU" dirty="0" smtClean="0">
-                <a:hlinkClick r:id="rId10"/>
-              </a:rPr>
-              <a:t>www.freepik.com/free-icon/trojan-horse_739048.htm</a:t>
-            </a:r>
-            <a:endParaRPr lang="hu-HU" dirty="0" smtClean="0"/>
-          </a:p>
-          <a:p>
-            <a:r>
-              <a:rPr lang="hu-HU" dirty="0">
-                <a:hlinkClick r:id="rId11"/>
-              </a:rPr>
-              <a:t>https://thenounproject.com/icon/computer-virus-585558</a:t>
-            </a:r>
-            <a:r>
-              <a:rPr lang="hu-HU" dirty="0" smtClean="0">
-                <a:hlinkClick r:id="rId11"/>
-              </a:rPr>
-              <a:t>/</a:t>
-            </a:r>
-            <a:endParaRPr lang="hu-HU" dirty="0" smtClean="0"/>
-          </a:p>
-          <a:p>
-            <a:r>
-              <a:rPr lang="hu-HU" dirty="0">
-                <a:hlinkClick r:id="rId12"/>
-              </a:rPr>
-              <a:t>https://</a:t>
-            </a:r>
-            <a:r>
-              <a:rPr lang="hu-HU" dirty="0" smtClean="0">
-                <a:hlinkClick r:id="rId12"/>
-              </a:rPr>
-              <a:t>www.flaticon.com/free-icon/ransomware_2943434</a:t>
-            </a:r>
-            <a:endParaRPr lang="hu-HU" dirty="0" smtClean="0"/>
-          </a:p>
-          <a:p>
-            <a:r>
-              <a:rPr lang="hu-HU" dirty="0">
-                <a:hlinkClick r:id="rId13"/>
-              </a:rPr>
-              <a:t>https://hu.wizcase.com/download/avira-antivirus</a:t>
-            </a:r>
-            <a:r>
-              <a:rPr lang="hu-HU" dirty="0" smtClean="0">
-                <a:hlinkClick r:id="rId13"/>
-              </a:rPr>
-              <a:t>/</a:t>
-            </a:r>
-            <a:endParaRPr lang="hu-HU" dirty="0" smtClean="0"/>
-          </a:p>
-          <a:p>
-            <a:r>
-              <a:rPr lang="hu-HU" dirty="0">
-                <a:hlinkClick r:id="rId14"/>
-              </a:rPr>
-              <a:t>https://</a:t>
-            </a:r>
-            <a:r>
-              <a:rPr lang="hu-HU" dirty="0" smtClean="0">
-                <a:hlinkClick r:id="rId14"/>
-              </a:rPr>
-              <a:t>www.flaticon.com/free-icon/spyware_3521273</a:t>
-            </a:r>
-            <a:endParaRPr lang="hu-HU" dirty="0" smtClean="0"/>
-          </a:p>
-          <a:p>
-            <a:r>
-              <a:rPr lang="hu-HU" dirty="0">
-                <a:hlinkClick r:id="rId15"/>
-              </a:rPr>
-              <a:t>https://</a:t>
-            </a:r>
-            <a:r>
-              <a:rPr lang="hu-HU" dirty="0" smtClean="0">
-                <a:hlinkClick r:id="rId15"/>
-              </a:rPr>
-              <a:t>www.subpng.com/free-png/weakness.html</a:t>
-            </a:r>
-            <a:endParaRPr lang="hu-HU" dirty="0" smtClean="0"/>
-          </a:p>
-        </p:txBody>
-      </p:sp>
+      <p:pic>
+        <p:nvPicPr>
+          <p:cNvPr id="4" name="Kép 3"/>
+          <p:cNvPicPr>
+            <a:picLocks noChangeAspect="1"/>
+          </p:cNvPicPr>
+          <p:nvPr/>
+        </p:nvPicPr>
+        <p:blipFill>
+          <a:blip r:embed="rId2">
+            <a:extLst>
+              <a:ext uri="{28A0092B-C50C-407E-A947-70E740481C1C}">
+                <a14:useLocalDpi xmlns:a14="http://schemas.microsoft.com/office/drawing/2010/main" val="0"/>
+              </a:ext>
+            </a:extLst>
+          </a:blip>
+          <a:stretch>
+            <a:fillRect/>
+          </a:stretch>
+        </p:blipFill>
+        <p:spPr>
+          <a:xfrm>
+            <a:off x="4350383" y="3090025"/>
+            <a:ext cx="427408" cy="427408"/>
+          </a:xfrm>
+          <a:prstGeom prst="rect">
+            <a:avLst/>
+          </a:prstGeom>
+        </p:spPr>
+      </p:pic>
+      <p:pic>
+        <p:nvPicPr>
+          <p:cNvPr id="5" name="Kép 4"/>
+          <p:cNvPicPr>
+            <a:picLocks noChangeAspect="1"/>
+          </p:cNvPicPr>
+          <p:nvPr/>
+        </p:nvPicPr>
+        <p:blipFill>
+          <a:blip r:embed="rId2">
+            <a:extLst>
+              <a:ext uri="{28A0092B-C50C-407E-A947-70E740481C1C}">
+                <a14:useLocalDpi xmlns:a14="http://schemas.microsoft.com/office/drawing/2010/main" val="0"/>
+              </a:ext>
+            </a:extLst>
+          </a:blip>
+          <a:stretch>
+            <a:fillRect/>
+          </a:stretch>
+        </p:blipFill>
+        <p:spPr>
+          <a:xfrm>
+            <a:off x="4464683" y="2662617"/>
+            <a:ext cx="427408" cy="427408"/>
+          </a:xfrm>
+          <a:prstGeom prst="rect">
+            <a:avLst/>
+          </a:prstGeom>
+        </p:spPr>
+      </p:pic>
+      <p:pic>
+        <p:nvPicPr>
+          <p:cNvPr id="6" name="Kép 5"/>
+          <p:cNvPicPr>
+            <a:picLocks noChangeAspect="1"/>
+          </p:cNvPicPr>
+          <p:nvPr/>
+        </p:nvPicPr>
+        <p:blipFill>
+          <a:blip r:embed="rId2">
+            <a:extLst>
+              <a:ext uri="{28A0092B-C50C-407E-A947-70E740481C1C}">
+                <a14:useLocalDpi xmlns:a14="http://schemas.microsoft.com/office/drawing/2010/main" val="0"/>
+              </a:ext>
+            </a:extLst>
+          </a:blip>
+          <a:stretch>
+            <a:fillRect/>
+          </a:stretch>
+        </p:blipFill>
+        <p:spPr>
+          <a:xfrm>
+            <a:off x="3945676" y="2272842"/>
+            <a:ext cx="427408" cy="427408"/>
+          </a:xfrm>
+          <a:prstGeom prst="rect">
+            <a:avLst/>
+          </a:prstGeom>
+        </p:spPr>
+      </p:pic>
+      <p:pic>
+        <p:nvPicPr>
+          <p:cNvPr id="7" name="Kép 6"/>
+          <p:cNvPicPr>
+            <a:picLocks noChangeAspect="1"/>
+          </p:cNvPicPr>
+          <p:nvPr/>
+        </p:nvPicPr>
+        <p:blipFill>
+          <a:blip r:embed="rId3">
+            <a:extLst>
+              <a:ext uri="{28A0092B-C50C-407E-A947-70E740481C1C}">
+                <a14:useLocalDpi xmlns:a14="http://schemas.microsoft.com/office/drawing/2010/main" val="0"/>
+              </a:ext>
+            </a:extLst>
+          </a:blip>
+          <a:stretch>
+            <a:fillRect/>
+          </a:stretch>
+        </p:blipFill>
+        <p:spPr>
+          <a:xfrm>
+            <a:off x="3796952" y="1933876"/>
+            <a:ext cx="427408" cy="427408"/>
+          </a:xfrm>
+          <a:prstGeom prst="rect">
+            <a:avLst/>
+          </a:prstGeom>
+        </p:spPr>
+      </p:pic>
+      <p:pic>
+        <p:nvPicPr>
+          <p:cNvPr id="8" name="Kép 7"/>
+          <p:cNvPicPr>
+            <a:picLocks noChangeAspect="1"/>
+          </p:cNvPicPr>
+          <p:nvPr/>
+        </p:nvPicPr>
+        <p:blipFill>
+          <a:blip r:embed="rId3">
+            <a:extLst>
+              <a:ext uri="{28A0092B-C50C-407E-A947-70E740481C1C}">
+                <a14:useLocalDpi xmlns:a14="http://schemas.microsoft.com/office/drawing/2010/main" val="0"/>
+              </a:ext>
+            </a:extLst>
+          </a:blip>
+          <a:stretch>
+            <a:fillRect/>
+          </a:stretch>
+        </p:blipFill>
+        <p:spPr>
+          <a:xfrm>
+            <a:off x="4159380" y="1506468"/>
+            <a:ext cx="427408" cy="427408"/>
+          </a:xfrm>
+          <a:prstGeom prst="rect">
+            <a:avLst/>
+          </a:prstGeom>
+        </p:spPr>
+      </p:pic>
+      <p:pic>
+        <p:nvPicPr>
+          <p:cNvPr id="9" name="Kép 8"/>
+          <p:cNvPicPr>
+            <a:picLocks noChangeAspect="1"/>
+          </p:cNvPicPr>
+          <p:nvPr/>
+        </p:nvPicPr>
+        <p:blipFill>
+          <a:blip r:embed="rId4">
+            <a:extLst>
+              <a:ext uri="{28A0092B-C50C-407E-A947-70E740481C1C}">
+                <a14:useLocalDpi xmlns:a14="http://schemas.microsoft.com/office/drawing/2010/main" val="0"/>
+              </a:ext>
+            </a:extLst>
+          </a:blip>
+          <a:stretch>
+            <a:fillRect/>
+          </a:stretch>
+        </p:blipFill>
+        <p:spPr>
+          <a:xfrm flipH="1">
+            <a:off x="3820444" y="3542690"/>
+            <a:ext cx="403916" cy="403916"/>
+          </a:xfrm>
+          <a:prstGeom prst="rect">
+            <a:avLst/>
+          </a:prstGeom>
+        </p:spPr>
+      </p:pic>
+      <p:pic>
+        <p:nvPicPr>
+          <p:cNvPr id="10" name="Kép 9"/>
+          <p:cNvPicPr>
+            <a:picLocks noChangeAspect="1"/>
+          </p:cNvPicPr>
+          <p:nvPr/>
+        </p:nvPicPr>
+        <p:blipFill>
+          <a:blip r:embed="rId4">
+            <a:extLst>
+              <a:ext uri="{28A0092B-C50C-407E-A947-70E740481C1C}">
+                <a14:useLocalDpi xmlns:a14="http://schemas.microsoft.com/office/drawing/2010/main" val="0"/>
+              </a:ext>
+            </a:extLst>
+          </a:blip>
+          <a:stretch>
+            <a:fillRect/>
+          </a:stretch>
+        </p:blipFill>
+        <p:spPr>
+          <a:xfrm flipH="1">
+            <a:off x="4130167" y="4294923"/>
+            <a:ext cx="403916" cy="403916"/>
+          </a:xfrm>
+          <a:prstGeom prst="rect">
+            <a:avLst/>
+          </a:prstGeom>
+        </p:spPr>
+      </p:pic>
+      <p:pic>
+        <p:nvPicPr>
+          <p:cNvPr id="11" name="Kép 10"/>
+          <p:cNvPicPr>
+            <a:picLocks noChangeAspect="1"/>
+          </p:cNvPicPr>
+          <p:nvPr/>
+        </p:nvPicPr>
+        <p:blipFill>
+          <a:blip r:embed="rId5">
+            <a:extLst>
+              <a:ext uri="{28A0092B-C50C-407E-A947-70E740481C1C}">
+                <a14:useLocalDpi xmlns:a14="http://schemas.microsoft.com/office/drawing/2010/main" val="0"/>
+              </a:ext>
+            </a:extLst>
+          </a:blip>
+          <a:stretch>
+            <a:fillRect/>
+          </a:stretch>
+        </p:blipFill>
+        <p:spPr>
+          <a:xfrm>
+            <a:off x="5747383" y="3946606"/>
+            <a:ext cx="403916" cy="403916"/>
+          </a:xfrm>
+          <a:prstGeom prst="rect">
+            <a:avLst/>
+          </a:prstGeom>
+        </p:spPr>
+      </p:pic>
+      <p:pic>
+        <p:nvPicPr>
+          <p:cNvPr id="12" name="Kép 11"/>
+          <p:cNvPicPr>
+            <a:picLocks noChangeAspect="1"/>
+          </p:cNvPicPr>
+          <p:nvPr/>
+        </p:nvPicPr>
+        <p:blipFill>
+          <a:blip r:embed="rId5">
+            <a:extLst>
+              <a:ext uri="{28A0092B-C50C-407E-A947-70E740481C1C}">
+                <a14:useLocalDpi xmlns:a14="http://schemas.microsoft.com/office/drawing/2010/main" val="0"/>
+              </a:ext>
+            </a:extLst>
+          </a:blip>
+          <a:stretch>
+            <a:fillRect/>
+          </a:stretch>
+        </p:blipFill>
+        <p:spPr>
+          <a:xfrm>
+            <a:off x="6045200" y="5192873"/>
+            <a:ext cx="403916" cy="403916"/>
+          </a:xfrm>
+          <a:prstGeom prst="rect">
+            <a:avLst/>
+          </a:prstGeom>
+        </p:spPr>
+      </p:pic>
+      <p:pic>
+        <p:nvPicPr>
+          <p:cNvPr id="13" name="Kép 12"/>
+          <p:cNvPicPr>
+            <a:picLocks noChangeAspect="1"/>
+          </p:cNvPicPr>
+          <p:nvPr/>
+        </p:nvPicPr>
+        <p:blipFill>
+          <a:blip r:embed="rId5">
+            <a:extLst>
+              <a:ext uri="{28A0092B-C50C-407E-A947-70E740481C1C}">
+                <a14:useLocalDpi xmlns:a14="http://schemas.microsoft.com/office/drawing/2010/main" val="0"/>
+              </a:ext>
+            </a:extLst>
+          </a:blip>
+          <a:stretch>
+            <a:fillRect/>
+          </a:stretch>
+        </p:blipFill>
+        <p:spPr>
+          <a:xfrm>
+            <a:off x="5641284" y="5824004"/>
+            <a:ext cx="403916" cy="403916"/>
+          </a:xfrm>
+          <a:prstGeom prst="rect">
+            <a:avLst/>
+          </a:prstGeom>
+        </p:spPr>
+      </p:pic>
     </p:spTree>
     <p:extLst>
       <p:ext uri="{BB962C8B-B14F-4D97-AF65-F5344CB8AC3E}">
-        <p14:creationId xmlns:p14="http://schemas.microsoft.com/office/powerpoint/2010/main" val="2765317723"/>
+        <p14:creationId xmlns:p14="http://schemas.microsoft.com/office/powerpoint/2010/main" val="845581862"/>
       </p:ext>
     </p:extLst>
   </p:cSld>
   <p:clrMapOvr>
     <a:masterClrMapping/>
   </p:clrMapOvr>
+  <p:timing>
+    <p:tnLst>
+      <p:par>
+        <p:cTn id="1" dur="indefinite" restart="never" nodeType="tmRoot"/>
+      </p:par>
+    </p:tnLst>
+  </p:timing>
 </p:sld>
 </file>
 
@@ -6308,6 +6606,670 @@
       </p:grpSpPr>
       <p:sp>
         <p:nvSpPr>
+          <p:cNvPr id="2" name="Cím 1"/>
+          <p:cNvSpPr>
+            <a:spLocks noGrp="1"/>
+          </p:cNvSpPr>
+          <p:nvPr>
+            <p:ph type="title"/>
+          </p:nvPr>
+        </p:nvSpPr>
+        <p:spPr>
+          <a:xfrm>
+            <a:off x="646111" y="452718"/>
+            <a:ext cx="7265989" cy="791882"/>
+          </a:xfrm>
+        </p:spPr>
+        <p:txBody>
+          <a:bodyPr/>
+          <a:lstStyle/>
+          <a:p>
+            <a:r>
+              <a:rPr lang="hu-HU" dirty="0"/>
+              <a:t>Híres malware támadások</a:t>
+            </a:r>
+          </a:p>
+        </p:txBody>
+      </p:sp>
+      <p:sp>
+        <p:nvSpPr>
+          <p:cNvPr id="3" name="Tartalom helye 2"/>
+          <p:cNvSpPr>
+            <a:spLocks noGrp="1"/>
+          </p:cNvSpPr>
+          <p:nvPr>
+            <p:ph idx="1"/>
+          </p:nvPr>
+        </p:nvSpPr>
+        <p:spPr>
+          <a:xfrm>
+            <a:off x="1054100" y="1244600"/>
+            <a:ext cx="9271000" cy="5122949"/>
+          </a:xfrm>
+        </p:spPr>
+        <p:txBody>
+          <a:bodyPr>
+            <a:normAutofit/>
+          </a:bodyPr>
+          <a:lstStyle/>
+          <a:p>
+            <a:r>
+              <a:rPr lang="hu-HU" dirty="0" smtClean="0"/>
+              <a:t>Creeper: </a:t>
+            </a:r>
+            <a:r>
+              <a:rPr lang="hu-HU" dirty="0" smtClean="0"/>
+              <a:t/>
+            </a:r>
+            <a:br>
+              <a:rPr lang="hu-HU" dirty="0" smtClean="0"/>
+            </a:br>
+            <a:r>
+              <a:rPr lang="hu-HU" dirty="0" smtClean="0"/>
+              <a:t>1971-ben </a:t>
+            </a:r>
+            <a:r>
+              <a:rPr lang="hu-HU" dirty="0" smtClean="0"/>
+              <a:t>Bob Thomas írta PDP-10-ben. A Creeper sokszorosította magát és az ARPANETen keresztül fertőzött meg új eszközöket. A Creeper nem tett kárt a gépekben csupán csak koncepció bizonyításra szolgált</a:t>
+            </a:r>
+            <a:r>
+              <a:rPr lang="hu-HU" dirty="0" smtClean="0"/>
+              <a:t>.</a:t>
+            </a:r>
+          </a:p>
+          <a:p>
+            <a:endParaRPr lang="hu-HU" dirty="0"/>
+          </a:p>
+          <a:p>
+            <a:endParaRPr lang="hu-HU" dirty="0" smtClean="0"/>
+          </a:p>
+          <a:p>
+            <a:endParaRPr lang="hu-HU" dirty="0" smtClean="0"/>
+          </a:p>
+          <a:p>
+            <a:r>
+              <a:rPr lang="hu-HU" dirty="0" smtClean="0"/>
+              <a:t>Mydoom: </a:t>
+            </a:r>
+            <a:r>
+              <a:rPr lang="hu-HU" dirty="0" smtClean="0"/>
+              <a:t/>
+            </a:r>
+            <a:br>
+              <a:rPr lang="hu-HU" dirty="0" smtClean="0"/>
+            </a:br>
+            <a:r>
+              <a:rPr lang="hu-HU" dirty="0" err="1" smtClean="0"/>
+              <a:t>Emailek</a:t>
+            </a:r>
+            <a:r>
+              <a:rPr lang="hu-HU" dirty="0" smtClean="0"/>
+              <a:t> </a:t>
+            </a:r>
+            <a:r>
+              <a:rPr lang="hu-HU" dirty="0" smtClean="0"/>
+              <a:t>által terjedt majd a fertőzött eszközt arra használta, hogy tovább terjedjen valamint DDoS támadásokat indított az SCO(</a:t>
+            </a:r>
+            <a:r>
+              <a:rPr lang="hu-HU" dirty="0"/>
+              <a:t>Sanghaji Együttműködési </a:t>
+            </a:r>
+            <a:r>
+              <a:rPr lang="hu-HU" dirty="0" smtClean="0"/>
+              <a:t>Szervezet) és Microsoft ellen. A mai napig nem tudni ki készítette és miért.</a:t>
+            </a:r>
+          </a:p>
+          <a:p>
+            <a:endParaRPr lang="hu-HU" dirty="0"/>
+          </a:p>
+        </p:txBody>
+      </p:sp>
+      <p:pic>
+        <p:nvPicPr>
+          <p:cNvPr id="5" name="Kép 4"/>
+          <p:cNvPicPr>
+            <a:picLocks noChangeAspect="1"/>
+          </p:cNvPicPr>
+          <p:nvPr/>
+        </p:nvPicPr>
+        <p:blipFill>
+          <a:blip r:embed="rId2">
+            <a:extLst>
+              <a:ext uri="{28A0092B-C50C-407E-A947-70E740481C1C}">
+                <a14:useLocalDpi xmlns:a14="http://schemas.microsoft.com/office/drawing/2010/main" val="0"/>
+              </a:ext>
+            </a:extLst>
+          </a:blip>
+          <a:stretch>
+            <a:fillRect/>
+          </a:stretch>
+        </p:blipFill>
+        <p:spPr>
+          <a:xfrm>
+            <a:off x="1468203" y="3038436"/>
+            <a:ext cx="5700732" cy="936664"/>
+          </a:xfrm>
+          <a:prstGeom prst="rect">
+            <a:avLst/>
+          </a:prstGeom>
+        </p:spPr>
+      </p:pic>
+    </p:spTree>
+    <p:extLst>
+      <p:ext uri="{BB962C8B-B14F-4D97-AF65-F5344CB8AC3E}">
+        <p14:creationId xmlns:p14="http://schemas.microsoft.com/office/powerpoint/2010/main" val="1509620940"/>
+      </p:ext>
+    </p:extLst>
+  </p:cSld>
+  <p:clrMapOvr>
+    <a:masterClrMapping/>
+  </p:clrMapOvr>
+  <p:timing>
+    <p:tnLst>
+      <p:par>
+        <p:cTn id="1" dur="indefinite" restart="never" nodeType="tmRoot"/>
+      </p:par>
+    </p:tnLst>
+  </p:timing>
+</p:sld>
+</file>
+
+<file path=ppt/slides/slide12.xml><?xml version="1.0" encoding="utf-8"?>
+<p:sld xmlns:a="http://schemas.openxmlformats.org/drawingml/2006/main" xmlns:r="http://schemas.openxmlformats.org/officeDocument/2006/relationships" xmlns:p="http://schemas.openxmlformats.org/presentationml/2006/main">
+  <p:cSld>
+    <p:spTree>
+      <p:nvGrpSpPr>
+        <p:cNvPr id="1" name=""/>
+        <p:cNvGrpSpPr/>
+        <p:nvPr/>
+      </p:nvGrpSpPr>
+      <p:grpSpPr>
+        <a:xfrm>
+          <a:off x="0" y="0"/>
+          <a:ext cx="0" cy="0"/>
+          <a:chOff x="0" y="0"/>
+          <a:chExt cx="0" cy="0"/>
+        </a:xfrm>
+      </p:grpSpPr>
+      <p:sp>
+        <p:nvSpPr>
+          <p:cNvPr id="2" name="Cím 1"/>
+          <p:cNvSpPr>
+            <a:spLocks noGrp="1"/>
+          </p:cNvSpPr>
+          <p:nvPr>
+            <p:ph type="title"/>
+          </p:nvPr>
+        </p:nvSpPr>
+        <p:spPr>
+          <a:xfrm>
+            <a:off x="645130" y="338418"/>
+            <a:ext cx="9404723" cy="995082"/>
+          </a:xfrm>
+        </p:spPr>
+        <p:txBody>
+          <a:bodyPr/>
+          <a:lstStyle/>
+          <a:p>
+            <a:r>
+              <a:rPr lang="hu-HU" dirty="0"/>
+              <a:t>Híres </a:t>
+            </a:r>
+            <a:r>
+              <a:rPr lang="hu-HU" dirty="0" err="1"/>
+              <a:t>malware</a:t>
+            </a:r>
+            <a:r>
+              <a:rPr lang="hu-HU" dirty="0"/>
+              <a:t> támadások</a:t>
+            </a:r>
+          </a:p>
+        </p:txBody>
+      </p:sp>
+      <p:sp>
+        <p:nvSpPr>
+          <p:cNvPr id="3" name="Tartalom helye 2"/>
+          <p:cNvSpPr>
+            <a:spLocks noGrp="1"/>
+          </p:cNvSpPr>
+          <p:nvPr>
+            <p:ph idx="1"/>
+          </p:nvPr>
+        </p:nvSpPr>
+        <p:spPr>
+          <a:xfrm>
+            <a:off x="1103312" y="2052918"/>
+            <a:ext cx="8946541" cy="2874681"/>
+          </a:xfrm>
+        </p:spPr>
+        <p:txBody>
+          <a:bodyPr>
+            <a:normAutofit/>
+          </a:bodyPr>
+          <a:lstStyle/>
+          <a:p>
+            <a:r>
+              <a:rPr lang="hu-HU" dirty="0"/>
+              <a:t>Morris féreg: </a:t>
+            </a:r>
+            <a:r>
+              <a:rPr lang="hu-HU" dirty="0" smtClean="0"/>
+              <a:t/>
+            </a:r>
+            <a:br>
+              <a:rPr lang="hu-HU" dirty="0" smtClean="0"/>
+            </a:br>
+            <a:r>
+              <a:rPr lang="hu-HU" dirty="0" smtClean="0"/>
+              <a:t>Az </a:t>
+            </a:r>
+            <a:r>
+              <a:rPr lang="hu-HU" dirty="0"/>
+              <a:t>első olyan </a:t>
+            </a:r>
+            <a:r>
+              <a:rPr lang="hu-HU" dirty="0" err="1"/>
+              <a:t>malware</a:t>
+            </a:r>
+            <a:r>
+              <a:rPr lang="hu-HU" dirty="0"/>
+              <a:t> ami saját magától terjedt és nem volt szüksége más programra. Csupán koncepció bizonyításra szolgált azonban komoly anyagi kárt okozott mivel a terjedése alatt számtalan eszközt megfagyasztott.</a:t>
+            </a:r>
+            <a:br>
+              <a:rPr lang="hu-HU" dirty="0"/>
+            </a:br>
+            <a:r>
+              <a:rPr lang="hu-HU" dirty="0"/>
+              <a:t>Alkotója Robert Morris próbált javítani a helyzeten és csökkenteni a kárt azonban ő volt az első ember akit elítéltek számítógépes csalás miatt.</a:t>
+            </a:r>
+          </a:p>
+          <a:p>
+            <a:endParaRPr lang="hu-HU" dirty="0"/>
+          </a:p>
+        </p:txBody>
+      </p:sp>
+    </p:spTree>
+    <p:extLst>
+      <p:ext uri="{BB962C8B-B14F-4D97-AF65-F5344CB8AC3E}">
+        <p14:creationId xmlns:p14="http://schemas.microsoft.com/office/powerpoint/2010/main" val="2592464896"/>
+      </p:ext>
+    </p:extLst>
+  </p:cSld>
+  <p:clrMapOvr>
+    <a:masterClrMapping/>
+  </p:clrMapOvr>
+</p:sld>
+</file>
+
+<file path=ppt/slides/slide13.xml><?xml version="1.0" encoding="utf-8"?>
+<p:sld xmlns:a="http://schemas.openxmlformats.org/drawingml/2006/main" xmlns:r="http://schemas.openxmlformats.org/officeDocument/2006/relationships" xmlns:p="http://schemas.openxmlformats.org/presentationml/2006/main">
+  <p:cSld>
+    <p:spTree>
+      <p:nvGrpSpPr>
+        <p:cNvPr id="1" name=""/>
+        <p:cNvGrpSpPr/>
+        <p:nvPr/>
+      </p:nvGrpSpPr>
+      <p:grpSpPr>
+        <a:xfrm>
+          <a:off x="0" y="0"/>
+          <a:ext cx="0" cy="0"/>
+          <a:chOff x="0" y="0"/>
+          <a:chExt cx="0" cy="0"/>
+        </a:xfrm>
+      </p:grpSpPr>
+      <p:sp>
+        <p:nvSpPr>
+          <p:cNvPr id="2" name="Cím 1"/>
+          <p:cNvSpPr>
+            <a:spLocks noGrp="1"/>
+          </p:cNvSpPr>
+          <p:nvPr>
+            <p:ph type="title"/>
+          </p:nvPr>
+        </p:nvSpPr>
+        <p:spPr/>
+        <p:txBody>
+          <a:bodyPr/>
+          <a:lstStyle/>
+          <a:p>
+            <a:r>
+              <a:rPr lang="hu-HU" dirty="0" smtClean="0"/>
+              <a:t>Források</a:t>
+            </a:r>
+            <a:r>
+              <a:rPr lang="hu-HU" dirty="0"/>
+              <a:t>:</a:t>
+            </a:r>
+            <a:endParaRPr lang="hu-HU" dirty="0"/>
+          </a:p>
+        </p:txBody>
+      </p:sp>
+      <p:sp>
+        <p:nvSpPr>
+          <p:cNvPr id="3" name="Tartalom helye 2"/>
+          <p:cNvSpPr>
+            <a:spLocks noGrp="1"/>
+          </p:cNvSpPr>
+          <p:nvPr>
+            <p:ph sz="half" idx="1"/>
+          </p:nvPr>
+        </p:nvSpPr>
+        <p:spPr>
+          <a:xfrm>
+            <a:off x="646111" y="1884046"/>
+            <a:ext cx="5373689" cy="4349395"/>
+          </a:xfrm>
+        </p:spPr>
+        <p:txBody>
+          <a:bodyPr>
+            <a:normAutofit fontScale="77500" lnSpcReduction="20000"/>
+          </a:bodyPr>
+          <a:lstStyle/>
+          <a:p>
+            <a:r>
+              <a:rPr lang="hu-HU" dirty="0">
+                <a:hlinkClick r:id="rId2"/>
+              </a:rPr>
+              <a:t>https://</a:t>
+            </a:r>
+            <a:r>
+              <a:rPr lang="hu-HU" dirty="0" smtClean="0">
+                <a:hlinkClick r:id="rId2"/>
+              </a:rPr>
+              <a:t>en.wikipedia.org/wiki/Malware</a:t>
+            </a:r>
+            <a:endParaRPr lang="hu-HU" dirty="0" smtClean="0"/>
+          </a:p>
+          <a:p>
+            <a:r>
+              <a:rPr lang="hu-HU" dirty="0">
+                <a:hlinkClick r:id="rId3"/>
+              </a:rPr>
+              <a:t>https://</a:t>
+            </a:r>
+            <a:r>
+              <a:rPr lang="hu-HU" dirty="0" smtClean="0">
+                <a:hlinkClick r:id="rId3"/>
+              </a:rPr>
+              <a:t>www.csoonline.com/article/3663051/11-infamous-malware-attacks-the-first-and-the-worst.html</a:t>
+            </a:r>
+            <a:endParaRPr lang="hu-HU" dirty="0"/>
+          </a:p>
+          <a:p>
+            <a:r>
+              <a:rPr lang="hu-HU" dirty="0" smtClean="0">
+                <a:hlinkClick r:id="rId4"/>
+              </a:rPr>
+              <a:t>https</a:t>
+            </a:r>
+            <a:r>
+              <a:rPr lang="hu-HU" dirty="0">
+                <a:hlinkClick r:id="rId4"/>
+              </a:rPr>
+              <a:t>://</a:t>
+            </a:r>
+            <a:r>
+              <a:rPr lang="hu-HU" dirty="0" smtClean="0">
+                <a:hlinkClick r:id="rId4"/>
+              </a:rPr>
+              <a:t>hu.wikipedia.org/wiki/V%C3%ADrusirt%C3%B3</a:t>
+            </a:r>
+            <a:endParaRPr lang="hu-HU" dirty="0" smtClean="0"/>
+          </a:p>
+          <a:p>
+            <a:r>
+              <a:rPr lang="hu-HU" dirty="0">
+                <a:hlinkClick r:id="rId5"/>
+              </a:rPr>
+              <a:t>https://hu.wizcase.com/antivirus/avast</a:t>
+            </a:r>
+            <a:r>
+              <a:rPr lang="hu-HU" dirty="0" smtClean="0">
+                <a:hlinkClick r:id="rId5"/>
+              </a:rPr>
+              <a:t>/</a:t>
+            </a:r>
+            <a:endParaRPr lang="hu-HU" dirty="0" smtClean="0"/>
+          </a:p>
+          <a:p>
+            <a:r>
+              <a:rPr lang="hu-HU" dirty="0">
+                <a:hlinkClick r:id="rId6"/>
+              </a:rPr>
+              <a:t>https://</a:t>
+            </a:r>
+            <a:r>
+              <a:rPr lang="hu-HU" dirty="0" smtClean="0">
+                <a:hlinkClick r:id="rId6"/>
+              </a:rPr>
+              <a:t>play.google.com/store/apps/details?id=org.malwarebytes.antimalware&amp;hl=hu&amp;gl=NL</a:t>
+            </a:r>
+            <a:endParaRPr lang="hu-HU" dirty="0" smtClean="0"/>
+          </a:p>
+          <a:p>
+            <a:r>
+              <a:rPr lang="hu-HU" dirty="0">
+                <a:hlinkClick r:id="rId7"/>
+              </a:rPr>
+              <a:t>https://</a:t>
+            </a:r>
+            <a:r>
+              <a:rPr lang="hu-HU" dirty="0" smtClean="0">
+                <a:hlinkClick r:id="rId7"/>
+              </a:rPr>
+              <a:t>www.microsoft.com/hu-hu/p/avg-download-center/9nblggh40m0q</a:t>
+            </a:r>
+            <a:endParaRPr lang="hu-HU" dirty="0" smtClean="0"/>
+          </a:p>
+          <a:p>
+            <a:r>
+              <a:rPr lang="hu-HU" dirty="0">
+                <a:hlinkClick r:id="rId8"/>
+              </a:rPr>
+              <a:t>https://cyber-reports.com/2022/05/17/eternity-malware-offers-swiss-army-knife-of-cybercrime-tools</a:t>
+            </a:r>
+            <a:r>
+              <a:rPr lang="hu-HU" dirty="0" smtClean="0">
+                <a:hlinkClick r:id="rId8"/>
+              </a:rPr>
+              <a:t>/</a:t>
+            </a:r>
+            <a:endParaRPr lang="hu-HU" dirty="0" smtClean="0"/>
+          </a:p>
+          <a:p>
+            <a:r>
+              <a:rPr lang="hu-HU" dirty="0">
+                <a:hlinkClick r:id="rId9"/>
+              </a:rPr>
+              <a:t>https://</a:t>
+            </a:r>
+            <a:r>
+              <a:rPr lang="hu-HU" dirty="0" smtClean="0">
+                <a:hlinkClick r:id="rId9"/>
+              </a:rPr>
+              <a:t>www.freepik.com/free-icon/worm_14331531.htm</a:t>
+            </a:r>
+            <a:endParaRPr lang="hu-HU" dirty="0" smtClean="0"/>
+          </a:p>
+          <a:p>
+            <a:r>
+              <a:rPr lang="hu-HU" dirty="0">
+                <a:hlinkClick r:id="rId10"/>
+              </a:rPr>
+              <a:t>https://</a:t>
+            </a:r>
+            <a:r>
+              <a:rPr lang="hu-HU" dirty="0" smtClean="0">
+                <a:hlinkClick r:id="rId10"/>
+              </a:rPr>
+              <a:t>www.freepik.com/free-icon/trojan-horse_739048.htm</a:t>
+            </a:r>
+            <a:endParaRPr lang="hu-HU" dirty="0" smtClean="0"/>
+          </a:p>
+          <a:p>
+            <a:pPr marL="0" indent="0">
+              <a:buNone/>
+            </a:pPr>
+            <a:endParaRPr lang="hu-HU" dirty="0" smtClean="0"/>
+          </a:p>
+        </p:txBody>
+      </p:sp>
+      <p:sp>
+        <p:nvSpPr>
+          <p:cNvPr id="4" name="Tartalom helye 3"/>
+          <p:cNvSpPr>
+            <a:spLocks noGrp="1"/>
+          </p:cNvSpPr>
+          <p:nvPr>
+            <p:ph sz="half" idx="2"/>
+          </p:nvPr>
+        </p:nvSpPr>
+        <p:spPr>
+          <a:xfrm>
+            <a:off x="6352993" y="1881823"/>
+            <a:ext cx="5305607" cy="4188777"/>
+          </a:xfrm>
+        </p:spPr>
+        <p:txBody>
+          <a:bodyPr>
+            <a:normAutofit fontScale="77500" lnSpcReduction="20000"/>
+          </a:bodyPr>
+          <a:lstStyle/>
+          <a:p>
+            <a:r>
+              <a:rPr lang="hu-HU" dirty="0">
+                <a:hlinkClick r:id="rId11"/>
+              </a:rPr>
+              <a:t>https://thenounproject.com/icon/computer-virus-585558/</a:t>
+            </a:r>
+            <a:endParaRPr lang="hu-HU" dirty="0"/>
+          </a:p>
+          <a:p>
+            <a:r>
+              <a:rPr lang="hu-HU" dirty="0">
+                <a:hlinkClick r:id="rId12"/>
+              </a:rPr>
+              <a:t>https://www.flaticon.com/free-icon/ransomware_2943434</a:t>
+            </a:r>
+            <a:endParaRPr lang="hu-HU" dirty="0"/>
+          </a:p>
+          <a:p>
+            <a:r>
+              <a:rPr lang="hu-HU" dirty="0">
+                <a:hlinkClick r:id="rId13"/>
+              </a:rPr>
+              <a:t>https://hu.wizcase.com/download/avira-antivirus/</a:t>
+            </a:r>
+            <a:endParaRPr lang="hu-HU" dirty="0"/>
+          </a:p>
+          <a:p>
+            <a:r>
+              <a:rPr lang="hu-HU" dirty="0">
+                <a:hlinkClick r:id="rId14"/>
+              </a:rPr>
+              <a:t>https://www.flaticon.com/free-icon/spyware_3521273</a:t>
+            </a:r>
+            <a:endParaRPr lang="hu-HU" dirty="0"/>
+          </a:p>
+          <a:p>
+            <a:r>
+              <a:rPr lang="hu-HU" dirty="0">
+                <a:hlinkClick r:id="rId15"/>
+              </a:rPr>
+              <a:t>https://www.subpng.com/free-png/weakness.html</a:t>
+            </a:r>
+            <a:endParaRPr lang="hu-HU" dirty="0"/>
+          </a:p>
+          <a:p>
+            <a:r>
+              <a:rPr lang="hu-HU" dirty="0">
+                <a:hlinkClick r:id="rId16"/>
+              </a:rPr>
+              <a:t>https://www.snaptechit.com/article/the-top-4-ways-malware-is-spread-2/</a:t>
+            </a:r>
+            <a:endParaRPr lang="hu-HU" dirty="0"/>
+          </a:p>
+          <a:p>
+            <a:r>
+              <a:rPr lang="hu-HU" dirty="0">
+                <a:hlinkClick r:id="rId17"/>
+              </a:rPr>
+              <a:t>https://www.emergingedtech.com/2016/03/access-your-computer-from-other-computers-remote-desktop/</a:t>
+            </a:r>
+            <a:endParaRPr lang="hu-HU" dirty="0"/>
+          </a:p>
+          <a:p>
+            <a:r>
+              <a:rPr lang="hu-HU" dirty="0">
+                <a:hlinkClick r:id="rId18"/>
+              </a:rPr>
+              <a:t>https://ophtek.com/what-are-malicious-websites/</a:t>
+            </a:r>
+            <a:endParaRPr lang="hu-HU" dirty="0"/>
+          </a:p>
+          <a:p>
+            <a:r>
+              <a:rPr lang="hu-HU" dirty="0">
+                <a:hlinkClick r:id="rId19"/>
+              </a:rPr>
+              <a:t>https://www.flaticon.com/free-icon/phishing_3067833</a:t>
+            </a:r>
+            <a:endParaRPr lang="hu-HU" dirty="0"/>
+          </a:p>
+          <a:p>
+            <a:r>
+              <a:rPr lang="hu-HU" dirty="0">
+                <a:hlinkClick r:id="rId20"/>
+              </a:rPr>
+              <a:t>https://www.logique.co.id/blog/en/2020/02/27/brief-introduction-ancient-malware-creeper-virus/</a:t>
+            </a:r>
+            <a:endParaRPr lang="hu-HU" dirty="0"/>
+          </a:p>
+          <a:p>
+            <a:endParaRPr lang="hu-HU" dirty="0"/>
+          </a:p>
+        </p:txBody>
+      </p:sp>
+    </p:spTree>
+    <p:extLst>
+      <p:ext uri="{BB962C8B-B14F-4D97-AF65-F5344CB8AC3E}">
+        <p14:creationId xmlns:p14="http://schemas.microsoft.com/office/powerpoint/2010/main" val="2765317723"/>
+      </p:ext>
+    </p:extLst>
+  </p:cSld>
+  <p:clrMapOvr>
+    <a:masterClrMapping/>
+  </p:clrMapOvr>
+  <p:timing>
+    <p:tnLst>
+      <p:par>
+        <p:cTn id="1" dur="indefinite" restart="never" nodeType="tmRoot"/>
+      </p:par>
+    </p:tnLst>
+  </p:timing>
+</p:sld>
+</file>
+
+<file path=ppt/slides/slide14.xml><?xml version="1.0" encoding="utf-8"?>
+<p:sld xmlns:a="http://schemas.openxmlformats.org/drawingml/2006/main" xmlns:r="http://schemas.openxmlformats.org/officeDocument/2006/relationships" xmlns:p="http://schemas.openxmlformats.org/presentationml/2006/main">
+  <p:cSld>
+    <p:spTree>
+      <p:nvGrpSpPr>
+        <p:cNvPr id="1" name=""/>
+        <p:cNvGrpSpPr/>
+        <p:nvPr/>
+      </p:nvGrpSpPr>
+      <p:grpSpPr>
+        <a:xfrm>
+          <a:off x="0" y="0"/>
+          <a:ext cx="0" cy="0"/>
+          <a:chOff x="0" y="0"/>
+          <a:chExt cx="0" cy="0"/>
+        </a:xfrm>
+      </p:grpSpPr>
+      <p:sp>
+        <p:nvSpPr>
           <p:cNvPr id="3" name="Tartalom helye 2"/>
           <p:cNvSpPr>
             <a:spLocks noGrp="1"/>
@@ -6348,6 +7310,13 @@
   <p:clrMapOvr>
     <a:masterClrMapping/>
   </p:clrMapOvr>
+  <p:timing>
+    <p:tnLst>
+      <p:par>
+        <p:cTn id="1" dur="indefinite" restart="never" nodeType="tmRoot"/>
+      </p:par>
+    </p:tnLst>
+  </p:timing>
 </p:sld>
 </file>
 
@@ -6378,7 +7347,12 @@
             <p:ph type="title"/>
           </p:nvPr>
         </p:nvSpPr>
-        <p:spPr/>
+        <p:spPr>
+          <a:xfrm>
+            <a:off x="646111" y="452718"/>
+            <a:ext cx="4992689" cy="690282"/>
+          </a:xfrm>
+        </p:spPr>
         <p:txBody>
           <a:bodyPr/>
           <a:lstStyle/>
@@ -6404,11 +7378,13 @@
         <p:spPr>
           <a:xfrm>
             <a:off x="1103312" y="2052918"/>
-            <a:ext cx="8323321" cy="2893155"/>
-          </a:xfrm>
-        </p:spPr>
-        <p:txBody>
-          <a:bodyPr/>
+            <a:ext cx="8323321" cy="3649382"/>
+          </a:xfrm>
+        </p:spPr>
+        <p:txBody>
+          <a:bodyPr>
+            <a:normAutofit/>
+          </a:bodyPr>
           <a:lstStyle/>
           <a:p>
             <a:r>
@@ -6437,14 +7413,15 @@
             </a:r>
             <a:r>
               <a:rPr lang="hu-HU" dirty="0" smtClean="0"/>
-              <a:t> valamilyen rossz célra létrehozott </a:t>
-            </a:r>
-            <a:r>
-              <a:rPr lang="hu-HU" dirty="0" smtClean="0"/>
-              <a:t>software</a:t>
-            </a:r>
-          </a:p>
-          <a:p>
+              <a:t> valamilyen rossz célra létrehozott software</a:t>
+            </a:r>
+          </a:p>
+          <a:p>
+            <a:pPr>
+              <a:lnSpc>
+                <a:spcPct val="200000"/>
+              </a:lnSpc>
+            </a:pPr>
             <a:r>
               <a:rPr lang="hu-HU" dirty="0" smtClean="0"/>
               <a:t>Típusai:  -Trójai(</a:t>
@@ -6468,6 +7445,9 @@
           </a:p>
           <a:p>
             <a:pPr marL="0" indent="0">
+              <a:lnSpc>
+                <a:spcPct val="200000"/>
+              </a:lnSpc>
               <a:buNone/>
             </a:pPr>
             <a:r>
@@ -6485,6 +7465,9 @@
           </a:p>
           <a:p>
             <a:pPr marL="0" indent="0">
+              <a:lnSpc>
+                <a:spcPct val="200000"/>
+              </a:lnSpc>
               <a:buNone/>
             </a:pPr>
             <a:r>
@@ -6494,6 +7477,9 @@
           </a:p>
           <a:p>
             <a:pPr marL="0" indent="0">
+              <a:lnSpc>
+                <a:spcPct val="200000"/>
+              </a:lnSpc>
               <a:buNone/>
             </a:pPr>
             <a:r>
@@ -6533,7 +7519,7 @@
         </p:blipFill>
         <p:spPr>
           <a:xfrm flipH="1">
-            <a:off x="5074283" y="2813109"/>
+            <a:off x="5001286" y="3024739"/>
             <a:ext cx="403916" cy="403916"/>
           </a:xfrm>
           <a:prstGeom prst="rect">
@@ -6563,7 +7549,7 @@
         </p:blipFill>
         <p:spPr>
           <a:xfrm>
-            <a:off x="5074283" y="3217025"/>
+            <a:off x="5039522" y="3718715"/>
             <a:ext cx="427408" cy="427408"/>
           </a:xfrm>
           <a:prstGeom prst="rect">
@@ -6593,7 +7579,7 @@
         </p:blipFill>
         <p:spPr>
           <a:xfrm>
-            <a:off x="5074283" y="3665199"/>
+            <a:off x="5062537" y="4459662"/>
             <a:ext cx="427408" cy="427408"/>
           </a:xfrm>
           <a:prstGeom prst="rect">
@@ -6623,7 +7609,7 @@
         </p:blipFill>
         <p:spPr>
           <a:xfrm>
-            <a:off x="5074283" y="4113373"/>
+            <a:off x="5063014" y="5298384"/>
             <a:ext cx="403916" cy="403916"/>
           </a:xfrm>
           <a:prstGeom prst="rect">
@@ -6641,6 +7627,13 @@
   <p:clrMapOvr>
     <a:masterClrMapping/>
   </p:clrMapOvr>
+  <p:timing>
+    <p:tnLst>
+      <p:par>
+        <p:cTn id="1" dur="indefinite" restart="never" nodeType="tmRoot"/>
+      </p:par>
+    </p:tnLst>
+  </p:timing>
 </p:sld>
 </file>
 
@@ -6701,12 +7694,14 @@
         </p:nvSpPr>
         <p:spPr>
           <a:xfrm>
-            <a:off x="317500" y="2052919"/>
-            <a:ext cx="11366500" cy="2366682"/>
-          </a:xfrm>
-        </p:spPr>
-        <p:txBody>
-          <a:bodyPr/>
+            <a:off x="317500" y="2052918"/>
+            <a:ext cx="11366500" cy="3496982"/>
+          </a:xfrm>
+        </p:spPr>
+        <p:txBody>
+          <a:bodyPr>
+            <a:normAutofit lnSpcReduction="10000"/>
+          </a:bodyPr>
           <a:lstStyle/>
           <a:p>
             <a:r>
@@ -6715,8 +7710,18 @@
             </a:r>
             <a:r>
               <a:rPr lang="hu-HU" dirty="0" smtClean="0"/>
-              <a:t>János teórizálta először, hogy egy program képes lenne magát re kreálni</a:t>
-            </a:r>
+              <a:t>János teórizálta először, hogy egy program képes lenne magát re </a:t>
+            </a:r>
+            <a:r>
+              <a:rPr lang="hu-HU" dirty="0" smtClean="0"/>
+              <a:t>kreálni</a:t>
+            </a:r>
+          </a:p>
+          <a:p>
+            <a:pPr marL="0" indent="0">
+              <a:buNone/>
+            </a:pPr>
+            <a:endParaRPr lang="hu-HU" dirty="0" smtClean="0"/>
           </a:p>
           <a:p>
             <a:r>
@@ -6727,13 +7732,28 @@
               <a:rPr lang="hu-HU" dirty="0" smtClean="0"/>
               <a:t>tulajdonságoknak</a:t>
             </a:r>
+          </a:p>
+          <a:p>
+            <a:pPr marL="0" indent="0">
+              <a:buNone/>
+            </a:pPr>
             <a:endParaRPr lang="hu-HU" dirty="0" smtClean="0"/>
           </a:p>
           <a:p>
             <a:r>
               <a:rPr lang="hu-HU" dirty="0" smtClean="0"/>
-              <a:t>1987-es doktori disszertációját a számítógépes vírusokról írta</a:t>
-            </a:r>
+              <a:t>1987-es doktori disszertációját a számítógépes vírusokról </a:t>
+            </a:r>
+            <a:r>
+              <a:rPr lang="hu-HU" dirty="0" smtClean="0"/>
+              <a:t>írta</a:t>
+            </a:r>
+          </a:p>
+          <a:p>
+            <a:pPr marL="0" indent="0">
+              <a:buNone/>
+            </a:pPr>
+            <a:endParaRPr lang="hu-HU" dirty="0" smtClean="0"/>
           </a:p>
           <a:p>
             <a:r>
@@ -6777,6 +7797,13 @@
   <p:clrMapOvr>
     <a:masterClrMapping/>
   </p:clrMapOvr>
+  <p:timing>
+    <p:tnLst>
+      <p:par>
+        <p:cTn id="1" dur="indefinite" restart="never" nodeType="tmRoot"/>
+      </p:par>
+    </p:tnLst>
+  </p:timing>
 </p:sld>
 </file>
 
@@ -6843,13 +7870,21 @@
         </p:spPr>
         <p:txBody>
           <a:bodyPr>
-            <a:normAutofit/>
+            <a:normAutofit fontScale="92500"/>
           </a:bodyPr>
           <a:lstStyle/>
           <a:p>
             <a:r>
               <a:rPr lang="hu-HU" sz="2400" dirty="0" smtClean="0"/>
-              <a:t>Általában valamilyen kár okozás: 	-információ lopás</a:t>
+              <a:t>Általában valamilyen kár okozás: 	</a:t>
+            </a:r>
+            <a:r>
+              <a:rPr lang="hu-HU" sz="2400" dirty="0" smtClean="0"/>
+              <a:t>-Információ </a:t>
+            </a:r>
+            <a:r>
+              <a:rPr lang="hu-HU" sz="2400" dirty="0" smtClean="0"/>
+              <a:t>lopás</a:t>
             </a:r>
             <a:br>
               <a:rPr lang="hu-HU" sz="2400" dirty="0" smtClean="0"/>
@@ -6860,11 +7895,11 @@
             </a:r>
             <a:r>
               <a:rPr lang="hu-HU" sz="2400" dirty="0" smtClean="0"/>
-              <a:t>-</a:t>
+              <a:t>-Szolgáltatás </a:t>
             </a:r>
             <a:r>
               <a:rPr lang="hu-HU" sz="2400" dirty="0" smtClean="0"/>
-              <a:t>szolgáltatás megtagadás</a:t>
+              <a:t>megtagadás</a:t>
             </a:r>
             <a:br>
               <a:rPr lang="hu-HU" sz="2400" dirty="0" smtClean="0"/>
@@ -6875,45 +7910,36 @@
             </a:r>
             <a:r>
               <a:rPr lang="hu-HU" sz="2400" dirty="0" smtClean="0"/>
-              <a:t>		</a:t>
-            </a:r>
-            <a:r>
-              <a:rPr lang="hu-HU" sz="2400" dirty="0" smtClean="0"/>
-              <a:t>-</a:t>
-            </a:r>
-            <a:r>
-              <a:rPr lang="hu-HU" sz="2400" dirty="0" smtClean="0"/>
-              <a:t>Hírnév károsítás	</a:t>
+              <a:t>		-Hírnév károsítás	</a:t>
             </a:r>
             <a:br>
               <a:rPr lang="hu-HU" sz="2400" dirty="0" smtClean="0"/>
             </a:br>
             <a:r>
               <a:rPr lang="hu-HU" sz="2400" dirty="0" smtClean="0"/>
-              <a:t>									     		</a:t>
-            </a:r>
-            <a:r>
-              <a:rPr lang="hu-HU" sz="2400" dirty="0" smtClean="0"/>
-              <a:t>-</a:t>
-            </a:r>
-            <a:r>
-              <a:rPr lang="hu-HU" sz="2400" dirty="0" smtClean="0"/>
-              <a:t>Ransomware	</a:t>
+              <a:t>									     		-Ransomware	</a:t>
             </a:r>
             <a:br>
               <a:rPr lang="hu-HU" sz="2400" dirty="0" smtClean="0"/>
             </a:br>
             <a:r>
               <a:rPr lang="hu-HU" sz="2400" dirty="0" smtClean="0"/>
-              <a:t>									     		</a:t>
+              <a:t>									     		-</a:t>
             </a:r>
             <a:r>
               <a:rPr lang="hu-HU" sz="2400" dirty="0" smtClean="0"/>
-              <a:t>-</a:t>
-            </a:r>
-            <a:r>
+              <a:t>Egyebek</a:t>
+            </a:r>
+            <a:br>
               <a:rPr lang="hu-HU" sz="2400" dirty="0" smtClean="0"/>
-              <a:t>Egyebek	</a:t>
+            </a:br>
+            <a:r>
+              <a:rPr lang="hu-HU" sz="2400" dirty="0" smtClean="0"/>
+              <a:t>										      -Szabotázs</a:t>
+            </a:r>
+            <a:r>
+              <a:rPr lang="hu-HU" sz="2400" dirty="0" smtClean="0"/>
+              <a:t>	</a:t>
             </a:r>
             <a:r>
               <a:rPr lang="hu-HU" dirty="0" smtClean="0"/>
@@ -6947,6 +7973,13 @@
   <p:clrMapOvr>
     <a:masterClrMapping/>
   </p:clrMapOvr>
+  <p:timing>
+    <p:tnLst>
+      <p:par>
+        <p:cTn id="1" dur="indefinite" restart="never" nodeType="tmRoot"/>
+      </p:par>
+    </p:tnLst>
+  </p:timing>
 </p:sld>
 </file>
 
@@ -6980,7 +8013,7 @@
         <p:spPr>
           <a:xfrm>
             <a:off x="646112" y="266008"/>
-            <a:ext cx="6469584" cy="1438102"/>
+            <a:ext cx="6469584" cy="889692"/>
           </a:xfrm>
         </p:spPr>
         <p:txBody>
@@ -7005,7 +8038,6 @@
               <a:rPr lang="hu-HU" sz="2400" dirty="0"/>
               <a:t>Kihasznált gyengeségek</a:t>
             </a:r>
-            <a:endParaRPr lang="hu-HU" sz="2400" dirty="0"/>
           </a:p>
         </p:txBody>
       </p:sp>
@@ -7021,12 +8053,14 @@
         </p:nvSpPr>
         <p:spPr>
           <a:xfrm>
-            <a:off x="1103313" y="2052919"/>
-            <a:ext cx="6012384" cy="2386078"/>
-          </a:xfrm>
-        </p:spPr>
-        <p:txBody>
-          <a:bodyPr/>
+            <a:off x="1103313" y="2052918"/>
+            <a:ext cx="6427788" cy="3712882"/>
+          </a:xfrm>
+        </p:spPr>
+        <p:txBody>
+          <a:bodyPr>
+            <a:normAutofit/>
+          </a:bodyPr>
           <a:lstStyle/>
           <a:p>
             <a:pPr marL="0" indent="0">
@@ -7046,12 +8080,28 @@
             </a:r>
           </a:p>
           <a:p>
+            <a:pPr>
+              <a:lnSpc>
+                <a:spcPct val="200000"/>
+              </a:lnSpc>
+              <a:spcBef>
+                <a:spcPts val="1200"/>
+              </a:spcBef>
+            </a:pPr>
             <a:r>
               <a:rPr lang="hu-HU" dirty="0" smtClean="0"/>
               <a:t>Védetlen / gyengén védett software</a:t>
             </a:r>
           </a:p>
           <a:p>
+            <a:pPr>
+              <a:lnSpc>
+                <a:spcPct val="200000"/>
+              </a:lnSpc>
+              <a:spcBef>
+                <a:spcPts val="1200"/>
+              </a:spcBef>
+            </a:pPr>
             <a:r>
               <a:rPr lang="hu-HU" dirty="0" smtClean="0"/>
               <a:t>Átlag felhasználók </a:t>
@@ -7063,12 +8113,28 @@
             <a:endParaRPr lang="hu-HU" dirty="0" smtClean="0"/>
           </a:p>
           <a:p>
+            <a:pPr>
+              <a:lnSpc>
+                <a:spcPct val="200000"/>
+              </a:lnSpc>
+              <a:spcBef>
+                <a:spcPts val="1200"/>
+              </a:spcBef>
+            </a:pPr>
             <a:r>
               <a:rPr lang="hu-HU" dirty="0" smtClean="0"/>
               <a:t>Gyenge jelszavak</a:t>
             </a:r>
           </a:p>
           <a:p>
+            <a:pPr>
+              <a:lnSpc>
+                <a:spcPct val="200000"/>
+              </a:lnSpc>
+              <a:spcBef>
+                <a:spcPts val="1200"/>
+              </a:spcBef>
+            </a:pPr>
             <a:r>
               <a:rPr lang="hu-HU" dirty="0" smtClean="0"/>
               <a:t>Hálózaton belüli azonos operációs rendszer</a:t>
@@ -7117,6 +8183,13 @@
   <p:clrMapOvr>
     <a:masterClrMapping/>
   </p:clrMapOvr>
+  <p:timing>
+    <p:tnLst>
+      <p:par>
+        <p:cTn id="1" dur="indefinite" restart="never" nodeType="tmRoot"/>
+      </p:par>
+    </p:tnLst>
+  </p:timing>
 </p:sld>
 </file>
 
@@ -7149,8 +8222,8 @@
         </p:nvSpPr>
         <p:spPr>
           <a:xfrm>
-            <a:off x="646111" y="452718"/>
-            <a:ext cx="9404723" cy="752627"/>
+            <a:off x="646112" y="452718"/>
+            <a:ext cx="5241758" cy="690282"/>
           </a:xfrm>
         </p:spPr>
         <p:txBody>
@@ -7158,28 +8231,9 @@
           <a:lstStyle/>
           <a:p>
             <a:r>
-              <a:rPr lang="hu-HU" sz="4000" dirty="0" err="1"/>
-              <a:t>Potentially</a:t>
-            </a:r>
-            <a:r>
-              <a:rPr lang="hu-HU" sz="4000" dirty="0"/>
-              <a:t> </a:t>
-            </a:r>
-            <a:r>
-              <a:rPr lang="hu-HU" sz="4000" dirty="0" err="1"/>
-              <a:t>Unwanted</a:t>
-            </a:r>
-            <a:r>
-              <a:rPr lang="hu-HU" sz="4000" dirty="0"/>
-              <a:t> Program (PUP)</a:t>
-            </a:r>
-            <a:r>
-              <a:rPr lang="hu-HU" b="1" dirty="0"/>
-              <a:t/>
-            </a:r>
-            <a:br>
-              <a:rPr lang="hu-HU" b="1" dirty="0"/>
-            </a:br>
+              <a:rPr lang="hu-HU" dirty="0" smtClean="0"/>
+              <a:t>Terjesztési módok</a:t>
+            </a:r>
             <a:endParaRPr lang="hu-HU" dirty="0"/>
           </a:p>
         </p:txBody>
@@ -7191,98 +8245,108 @@
             <a:spLocks noGrp="1"/>
           </p:cNvSpPr>
           <p:nvPr>
-            <p:ph idx="1"/>
-          </p:nvPr>
-        </p:nvSpPr>
-        <p:spPr>
-          <a:xfrm>
-            <a:off x="1103313" y="2052919"/>
-            <a:ext cx="5505306" cy="2610522"/>
-          </a:xfrm>
-        </p:spPr>
-        <p:txBody>
-          <a:bodyPr/>
-          <a:lstStyle/>
-          <a:p>
-            <a:r>
-              <a:rPr lang="hu-HU" dirty="0" smtClean="0"/>
-              <a:t>Nem feltétlenül károsak</a:t>
-            </a:r>
-          </a:p>
-          <a:p>
-            <a:r>
-              <a:rPr lang="hu-HU" dirty="0" smtClean="0"/>
-              <a:t>Gyakran a felhasználó tölti le/telepíti fel</a:t>
-            </a:r>
-          </a:p>
-          <a:p>
-            <a:r>
-              <a:rPr lang="hu-HU" dirty="0" smtClean="0"/>
-              <a:t>Ide tartoznak: -</a:t>
-            </a:r>
-            <a:r>
-              <a:rPr lang="hu-HU" dirty="0" err="1" smtClean="0"/>
-              <a:t>adware</a:t>
-            </a:r>
-            <a:endParaRPr lang="hu-HU" dirty="0"/>
-          </a:p>
-          <a:p>
-            <a:pPr marL="0" indent="0">
-              <a:buNone/>
-            </a:pPr>
-            <a:r>
-              <a:rPr lang="hu-HU" dirty="0" smtClean="0"/>
-              <a:t>				    -</a:t>
-            </a:r>
-            <a:r>
-              <a:rPr lang="hu-HU" dirty="0" err="1" smtClean="0"/>
-              <a:t>spyware</a:t>
-            </a:r>
-            <a:r>
-              <a:rPr lang="hu-HU" dirty="0" smtClean="0"/>
-              <a:t> </a:t>
-            </a:r>
-          </a:p>
-          <a:p>
-            <a:pPr marL="0" indent="0">
-              <a:buNone/>
-            </a:pPr>
-            <a:r>
-              <a:rPr lang="hu-HU" dirty="0" smtClean="0"/>
-              <a:t>				    -</a:t>
-            </a:r>
-            <a:r>
-              <a:rPr lang="hu-HU" dirty="0" err="1" smtClean="0"/>
-              <a:t>crapware</a:t>
-            </a:r>
-            <a:r>
-              <a:rPr lang="hu-HU" dirty="0" smtClean="0"/>
-              <a:t> </a:t>
-            </a:r>
-          </a:p>
-          <a:p>
-            <a:pPr marL="0" indent="0">
-              <a:buNone/>
-            </a:pPr>
-            <a:r>
-              <a:rPr lang="hu-HU" dirty="0" smtClean="0"/>
-              <a:t>				    -</a:t>
-            </a:r>
-            <a:r>
-              <a:rPr lang="hu-HU" dirty="0" err="1" smtClean="0"/>
-              <a:t>grayware</a:t>
-            </a:r>
-            <a:endParaRPr lang="hu-HU" dirty="0" smtClean="0"/>
-          </a:p>
-          <a:p>
-            <a:endParaRPr lang="hu-HU" dirty="0"/>
-          </a:p>
-        </p:txBody>
-      </p:sp>
+            <p:ph sz="half" idx="1"/>
+          </p:nvPr>
+        </p:nvSpPr>
+        <p:spPr>
+          <a:xfrm>
+            <a:off x="823913" y="2612269"/>
+            <a:ext cx="4662488" cy="2160536"/>
+          </a:xfrm>
+        </p:spPr>
+        <p:txBody>
+          <a:bodyPr>
+            <a:normAutofit/>
+          </a:bodyPr>
+          <a:lstStyle/>
+          <a:p>
+            <a:r>
+              <a:rPr lang="hu-HU" sz="3600" dirty="0" err="1" smtClean="0"/>
+              <a:t>Phishing</a:t>
+            </a:r>
+            <a:endParaRPr lang="hu-HU" sz="3600" dirty="0" smtClean="0"/>
+          </a:p>
+          <a:p>
+            <a:endParaRPr lang="hu-HU" sz="3600" dirty="0" smtClean="0"/>
+          </a:p>
+          <a:p>
+            <a:r>
+              <a:rPr lang="hu-HU" sz="3600" dirty="0"/>
+              <a:t>Távoli asztal elérés</a:t>
+            </a:r>
+          </a:p>
+          <a:p>
+            <a:endParaRPr lang="hu-HU" sz="3600" dirty="0"/>
+          </a:p>
+          <a:p>
+            <a:endParaRPr lang="hu-HU" sz="3600" dirty="0"/>
+          </a:p>
+        </p:txBody>
+      </p:sp>
+      <p:pic>
+        <p:nvPicPr>
+          <p:cNvPr id="8" name="Kép 7"/>
+          <p:cNvPicPr>
+            <a:picLocks noChangeAspect="1"/>
+          </p:cNvPicPr>
+          <p:nvPr/>
+        </p:nvPicPr>
+        <p:blipFill>
+          <a:blip r:embed="rId2">
+            <a:extLst>
+              <a:ext uri="{28A0092B-C50C-407E-A947-70E740481C1C}">
+                <a14:useLocalDpi xmlns:a14="http://schemas.microsoft.com/office/drawing/2010/main" val="0"/>
+              </a:ext>
+            </a:extLst>
+          </a:blip>
+          <a:stretch>
+            <a:fillRect/>
+          </a:stretch>
+        </p:blipFill>
+        <p:spPr>
+          <a:xfrm>
+            <a:off x="6391443" y="1954670"/>
+            <a:ext cx="5649746" cy="3475735"/>
+          </a:xfrm>
+          <a:prstGeom prst="rect">
+            <a:avLst/>
+          </a:prstGeom>
+        </p:spPr>
+      </p:pic>
+      <p:pic>
+        <p:nvPicPr>
+          <p:cNvPr id="9" name="Kép 8"/>
+          <p:cNvPicPr>
+            <a:picLocks noChangeAspect="1"/>
+          </p:cNvPicPr>
+          <p:nvPr/>
+        </p:nvPicPr>
+        <p:blipFill>
+          <a:blip r:embed="rId3">
+            <a:extLst>
+              <a:ext uri="{28A0092B-C50C-407E-A947-70E740481C1C}">
+                <a14:useLocalDpi xmlns:a14="http://schemas.microsoft.com/office/drawing/2010/main" val="0"/>
+              </a:ext>
+            </a:extLst>
+          </a:blip>
+          <a:stretch>
+            <a:fillRect/>
+          </a:stretch>
+        </p:blipFill>
+        <p:spPr>
+          <a:xfrm>
+            <a:off x="3350970" y="2687580"/>
+            <a:ext cx="431317" cy="431317"/>
+          </a:xfrm>
+          <a:prstGeom prst="rect">
+            <a:avLst/>
+          </a:prstGeom>
+        </p:spPr>
+      </p:pic>
     </p:spTree>
     <p:extLst>
       <p:ext uri="{BB962C8B-B14F-4D97-AF65-F5344CB8AC3E}">
-        <p14:creationId xmlns:p14="http://schemas.microsoft.com/office/powerpoint/2010/main" val="654922762"/>
+        <p14:creationId xmlns:p14="http://schemas.microsoft.com/office/powerpoint/2010/main" val="2711711712"/>
       </p:ext>
     </p:extLst>
   </p:cSld>
@@ -7321,8 +8385,8 @@
         </p:nvSpPr>
         <p:spPr>
           <a:xfrm>
-            <a:off x="646111" y="452718"/>
-            <a:ext cx="2421285" cy="711064"/>
+            <a:off x="646112" y="452718"/>
+            <a:ext cx="5008382" cy="906182"/>
           </a:xfrm>
         </p:spPr>
         <p:txBody>
@@ -7330,10 +8394,9 @@
           <a:lstStyle/>
           <a:p>
             <a:r>
-              <a:rPr lang="hu-HU" dirty="0" smtClean="0"/>
-              <a:t>Antivírus</a:t>
-            </a:r>
-            <a:endParaRPr lang="hu-HU" dirty="0"/>
+              <a:rPr lang="hu-HU" dirty="0"/>
+              <a:t>Terjesztési módok</a:t>
+            </a:r>
           </a:p>
         </p:txBody>
       </p:sp>
@@ -7344,13 +8407,13 @@
             <a:spLocks noGrp="1"/>
           </p:cNvSpPr>
           <p:nvPr>
-            <p:ph sz="half" idx="1"/>
-          </p:nvPr>
-        </p:nvSpPr>
-        <p:spPr>
-          <a:xfrm>
-            <a:off x="770000" y="2019820"/>
-            <a:ext cx="4396339" cy="1479837"/>
+            <p:ph sz="half" idx="2"/>
+          </p:nvPr>
+        </p:nvSpPr>
+        <p:spPr>
+          <a:xfrm>
+            <a:off x="6380665" y="2477233"/>
+            <a:ext cx="5455735" cy="2374167"/>
           </a:xfrm>
         </p:spPr>
         <p:txBody>
@@ -7360,113 +8423,44 @@
           <a:lstStyle/>
           <a:p>
             <a:r>
-              <a:rPr lang="hu-HU" dirty="0"/>
-              <a:t>R</a:t>
-            </a:r>
-            <a:r>
-              <a:rPr lang="hu-HU" dirty="0" smtClean="0"/>
-              <a:t>eaktív védelem: egy a </a:t>
-            </a:r>
-            <a:r>
-              <a:rPr lang="hu-HU" dirty="0" err="1" smtClean="0"/>
-              <a:t>szoftware</a:t>
-            </a:r>
-            <a:r>
-              <a:rPr lang="hu-HU" dirty="0" smtClean="0"/>
-              <a:t> gyártója által kezelt adatbázis alapján működik</a:t>
-            </a:r>
-          </a:p>
-          <a:p>
-            <a:pPr marL="0" indent="0">
-              <a:buNone/>
-            </a:pPr>
-            <a:r>
-              <a:rPr lang="hu-HU" dirty="0" smtClean="0"/>
-              <a:t>Védelem a fejlesztőtől függ</a:t>
-            </a:r>
-          </a:p>
-        </p:txBody>
-      </p:sp>
-      <p:sp>
-        <p:nvSpPr>
-          <p:cNvPr id="5" name="Tartalom helye 4"/>
-          <p:cNvSpPr>
-            <a:spLocks noGrp="1"/>
-          </p:cNvSpPr>
-          <p:nvPr>
-            <p:ph sz="half" idx="2"/>
-          </p:nvPr>
-        </p:nvSpPr>
-        <p:spPr>
-          <a:xfrm>
-            <a:off x="5354432" y="2015339"/>
-            <a:ext cx="4396341" cy="1484318"/>
-          </a:xfrm>
-        </p:spPr>
-        <p:txBody>
-          <a:bodyPr>
-            <a:normAutofit/>
-          </a:bodyPr>
-          <a:lstStyle/>
-          <a:p>
-            <a:r>
-              <a:rPr lang="hu-HU" dirty="0"/>
-              <a:t>H</a:t>
-            </a:r>
-            <a:r>
-              <a:rPr lang="hu-HU" dirty="0" smtClean="0"/>
-              <a:t>eurisztikus vírusvédelem: Algoritmusok alapján azonosítja a vírusokat. </a:t>
-            </a:r>
-          </a:p>
-          <a:p>
-            <a:pPr marL="0" indent="0">
-              <a:buNone/>
-            </a:pPr>
-            <a:r>
-              <a:rPr lang="hu-HU" dirty="0" smtClean="0"/>
-              <a:t>Napjainkban egyre fontosabb</a:t>
-            </a:r>
-            <a:endParaRPr lang="hu-HU" dirty="0"/>
-          </a:p>
-        </p:txBody>
-      </p:sp>
-      <p:sp>
-        <p:nvSpPr>
-          <p:cNvPr id="6" name="Szövegdoboz 5"/>
-          <p:cNvSpPr txBox="1"/>
-          <p:nvPr/>
-        </p:nvSpPr>
-        <p:spPr>
-          <a:xfrm>
-            <a:off x="770000" y="1529744"/>
-            <a:ext cx="2125903" cy="369332"/>
-          </a:xfrm>
-          <a:prstGeom prst="rect">
-            <a:avLst/>
-          </a:prstGeom>
-          <a:noFill/>
-        </p:spPr>
-        <p:txBody>
-          <a:bodyPr wrap="square" rtlCol="0">
-            <a:spAutoFit/>
-          </a:bodyPr>
-          <a:lstStyle/>
-          <a:p>
-            <a:r>
-              <a:rPr lang="hu-HU" dirty="0" smtClean="0"/>
-              <a:t>Két fő típusa van:</a:t>
-            </a:r>
-            <a:endParaRPr lang="hu-HU" dirty="0"/>
+              <a:rPr lang="hu-HU" sz="3600" dirty="0"/>
+              <a:t>Fertőzött </a:t>
+            </a:r>
+            <a:r>
+              <a:rPr lang="hu-HU" sz="3600" dirty="0" smtClean="0"/>
+              <a:t>weboldalak</a:t>
+            </a:r>
+          </a:p>
+          <a:p>
+            <a:endParaRPr lang="hu-HU" sz="3600" dirty="0" smtClean="0"/>
+          </a:p>
+          <a:p>
+            <a:r>
+              <a:rPr lang="hu-HU" sz="3600" dirty="0" err="1"/>
+              <a:t>Social</a:t>
+            </a:r>
+            <a:r>
+              <a:rPr lang="hu-HU" sz="3600" dirty="0"/>
+              <a:t> Network Spam</a:t>
+            </a:r>
+          </a:p>
+          <a:p>
+            <a:endParaRPr lang="hu-HU" sz="3600" dirty="0"/>
+          </a:p>
+          <a:p>
+            <a:endParaRPr lang="hu-HU" sz="3600" dirty="0"/>
           </a:p>
         </p:txBody>
       </p:sp>
       <p:pic>
         <p:nvPicPr>
-          <p:cNvPr id="7" name="Kép 6"/>
+          <p:cNvPr id="5" name="Tartalom helye 4"/>
           <p:cNvPicPr>
-            <a:picLocks noChangeAspect="1"/>
+            <a:picLocks noGrp="1" noChangeAspect="1"/>
           </p:cNvPicPr>
-          <p:nvPr/>
+          <p:nvPr>
+            <p:ph sz="half" idx="1"/>
+          </p:nvPr>
         </p:nvPicPr>
         <p:blipFill>
           <a:blip r:embed="rId2">
@@ -7482,330 +8476,18 @@
         </p:blipFill>
         <p:spPr>
           <a:xfrm>
-            <a:off x="646111" y="4655126"/>
-            <a:ext cx="1519844" cy="1519844"/>
+            <a:off x="254000" y="1697481"/>
+            <a:ext cx="6126665" cy="3837730"/>
           </a:xfrm>
           <a:prstGeom prst="rect">
             <a:avLst/>
           </a:prstGeom>
         </p:spPr>
       </p:pic>
-      <p:pic>
-        <p:nvPicPr>
-          <p:cNvPr id="8" name="Kép 7"/>
-          <p:cNvPicPr>
-            <a:picLocks noChangeAspect="1"/>
-          </p:cNvPicPr>
-          <p:nvPr/>
-        </p:nvPicPr>
-        <p:blipFill>
-          <a:blip r:embed="rId3">
-            <a:extLst>
-              <a:ext uri="{28A0092B-C50C-407E-A947-70E740481C1C}">
-                <a14:useLocalDpi xmlns:a14="http://schemas.microsoft.com/office/drawing/2010/main" val="0"/>
-              </a:ext>
-            </a:extLst>
-          </a:blip>
-          <a:stretch>
-            <a:fillRect/>
-          </a:stretch>
-        </p:blipFill>
-        <p:spPr>
-          <a:xfrm>
-            <a:off x="2522213" y="4655126"/>
-            <a:ext cx="2751763" cy="1548704"/>
-          </a:xfrm>
-          <a:prstGeom prst="rect">
-            <a:avLst/>
-          </a:prstGeom>
-        </p:spPr>
-      </p:pic>
-      <p:pic>
-        <p:nvPicPr>
-          <p:cNvPr id="9" name="Kép 8"/>
-          <p:cNvPicPr>
-            <a:picLocks noChangeAspect="1"/>
-          </p:cNvPicPr>
-          <p:nvPr/>
-        </p:nvPicPr>
-        <p:blipFill>
-          <a:blip r:embed="rId4">
-            <a:extLst>
-              <a:ext uri="{28A0092B-C50C-407E-A947-70E740481C1C}">
-                <a14:useLocalDpi xmlns:a14="http://schemas.microsoft.com/office/drawing/2010/main" val="0"/>
-              </a:ext>
-            </a:extLst>
-          </a:blip>
-          <a:stretch>
-            <a:fillRect/>
-          </a:stretch>
-        </p:blipFill>
-        <p:spPr>
-          <a:xfrm>
-            <a:off x="5630234" y="4683986"/>
-            <a:ext cx="1519844" cy="1519844"/>
-          </a:xfrm>
-          <a:prstGeom prst="rect">
-            <a:avLst/>
-          </a:prstGeom>
-        </p:spPr>
-      </p:pic>
-      <p:sp>
-        <p:nvSpPr>
-          <p:cNvPr id="10" name="Szövegdoboz 9"/>
-          <p:cNvSpPr txBox="1"/>
-          <p:nvPr/>
-        </p:nvSpPr>
-        <p:spPr>
-          <a:xfrm>
-            <a:off x="646111" y="6291231"/>
-            <a:ext cx="1768433" cy="369332"/>
-          </a:xfrm>
-          <a:prstGeom prst="rect">
-            <a:avLst/>
-          </a:prstGeom>
-          <a:noFill/>
-        </p:spPr>
-        <p:txBody>
-          <a:bodyPr wrap="none" rtlCol="0">
-            <a:spAutoFit/>
-          </a:bodyPr>
-          <a:lstStyle/>
-          <a:p>
-            <a:r>
-              <a:rPr lang="hu-HU" dirty="0" err="1" smtClean="0"/>
-              <a:t>Malwarebytes</a:t>
-            </a:r>
-            <a:endParaRPr lang="hu-HU" dirty="0"/>
-          </a:p>
-        </p:txBody>
-      </p:sp>
-      <p:sp>
-        <p:nvSpPr>
-          <p:cNvPr id="11" name="Szövegdoboz 10"/>
-          <p:cNvSpPr txBox="1"/>
-          <p:nvPr/>
-        </p:nvSpPr>
-        <p:spPr>
-          <a:xfrm>
-            <a:off x="2522213" y="6283241"/>
-            <a:ext cx="809837" cy="369332"/>
-          </a:xfrm>
-          <a:prstGeom prst="rect">
-            <a:avLst/>
-          </a:prstGeom>
-          <a:noFill/>
-        </p:spPr>
-        <p:txBody>
-          <a:bodyPr wrap="none" rtlCol="0">
-            <a:spAutoFit/>
-          </a:bodyPr>
-          <a:lstStyle/>
-          <a:p>
-            <a:r>
-              <a:rPr lang="hu-HU" dirty="0" smtClean="0"/>
-              <a:t>Avast</a:t>
-            </a:r>
-            <a:endParaRPr lang="hu-HU" dirty="0"/>
-          </a:p>
-        </p:txBody>
-      </p:sp>
-      <p:sp>
-        <p:nvSpPr>
-          <p:cNvPr id="12" name="Szövegdoboz 11"/>
-          <p:cNvSpPr txBox="1"/>
-          <p:nvPr/>
-        </p:nvSpPr>
-        <p:spPr>
-          <a:xfrm>
-            <a:off x="5630234" y="6291231"/>
-            <a:ext cx="720069" cy="369332"/>
-          </a:xfrm>
-          <a:prstGeom prst="rect">
-            <a:avLst/>
-          </a:prstGeom>
-          <a:noFill/>
-        </p:spPr>
-        <p:txBody>
-          <a:bodyPr wrap="none" rtlCol="0">
-            <a:spAutoFit/>
-          </a:bodyPr>
-          <a:lstStyle/>
-          <a:p>
-            <a:r>
-              <a:rPr lang="hu-HU" dirty="0" smtClean="0"/>
-              <a:t>AVG</a:t>
-            </a:r>
-            <a:endParaRPr lang="hu-HU" dirty="0"/>
-          </a:p>
-        </p:txBody>
-      </p:sp>
-      <p:sp>
-        <p:nvSpPr>
-          <p:cNvPr id="13" name="Szövegdoboz 12"/>
-          <p:cNvSpPr txBox="1"/>
-          <p:nvPr/>
-        </p:nvSpPr>
-        <p:spPr>
-          <a:xfrm>
-            <a:off x="7506336" y="6291231"/>
-            <a:ext cx="1820487" cy="369332"/>
-          </a:xfrm>
-          <a:prstGeom prst="rect">
-            <a:avLst/>
-          </a:prstGeom>
-          <a:noFill/>
-        </p:spPr>
-        <p:txBody>
-          <a:bodyPr wrap="square" rtlCol="0">
-            <a:spAutoFit/>
-          </a:bodyPr>
-          <a:lstStyle/>
-          <a:p>
-            <a:r>
-              <a:rPr lang="hu-HU" dirty="0"/>
-              <a:t>ESET</a:t>
-            </a:r>
-            <a:r>
-              <a:rPr lang="hu-HU" b="1" dirty="0"/>
-              <a:t> </a:t>
-            </a:r>
-            <a:r>
-              <a:rPr lang="hu-HU" dirty="0" smtClean="0"/>
-              <a:t>NOD32</a:t>
-            </a:r>
-            <a:endParaRPr lang="hu-HU" dirty="0"/>
-          </a:p>
-        </p:txBody>
-      </p:sp>
-      <p:pic>
-        <p:nvPicPr>
-          <p:cNvPr id="14" name="Kép 13"/>
-          <p:cNvPicPr>
-            <a:picLocks noChangeAspect="1"/>
-          </p:cNvPicPr>
-          <p:nvPr/>
-        </p:nvPicPr>
-        <p:blipFill>
-          <a:blip r:embed="rId5">
-            <a:extLst>
-              <a:ext uri="{28A0092B-C50C-407E-A947-70E740481C1C}">
-                <a14:useLocalDpi xmlns:a14="http://schemas.microsoft.com/office/drawing/2010/main" val="0"/>
-              </a:ext>
-            </a:extLst>
-          </a:blip>
-          <a:stretch>
-            <a:fillRect/>
-          </a:stretch>
-        </p:blipFill>
-        <p:spPr>
-          <a:xfrm>
-            <a:off x="7506336" y="4683986"/>
-            <a:ext cx="1479665" cy="1519844"/>
-          </a:xfrm>
-          <a:prstGeom prst="rect">
-            <a:avLst/>
-          </a:prstGeom>
-        </p:spPr>
-      </p:pic>
-      <p:sp>
-        <p:nvSpPr>
-          <p:cNvPr id="15" name="Szövegdoboz 14"/>
-          <p:cNvSpPr txBox="1"/>
-          <p:nvPr/>
-        </p:nvSpPr>
-        <p:spPr>
-          <a:xfrm>
-            <a:off x="4264429" y="3815542"/>
-            <a:ext cx="3057247" cy="369332"/>
-          </a:xfrm>
-          <a:prstGeom prst="rect">
-            <a:avLst/>
-          </a:prstGeom>
-          <a:noFill/>
-        </p:spPr>
-        <p:txBody>
-          <a:bodyPr wrap="none" rtlCol="0">
-            <a:spAutoFit/>
-          </a:bodyPr>
-          <a:lstStyle/>
-          <a:p>
-            <a:r>
-              <a:rPr lang="hu-HU" dirty="0" smtClean="0"/>
-              <a:t>Néhány híresebb </a:t>
-            </a:r>
-            <a:r>
-              <a:rPr lang="hu-HU" dirty="0" err="1" smtClean="0"/>
-              <a:t>antivírus</a:t>
-            </a:r>
-            <a:endParaRPr lang="hu-HU" dirty="0"/>
-          </a:p>
-        </p:txBody>
-      </p:sp>
-      <p:pic>
-        <p:nvPicPr>
-          <p:cNvPr id="16" name="Kép 15"/>
-          <p:cNvPicPr>
-            <a:picLocks noChangeAspect="1"/>
-          </p:cNvPicPr>
-          <p:nvPr/>
-        </p:nvPicPr>
-        <p:blipFill>
-          <a:blip r:embed="rId6">
-            <a:extLst>
-              <a:ext uri="{28A0092B-C50C-407E-A947-70E740481C1C}">
-                <a14:useLocalDpi xmlns:a14="http://schemas.microsoft.com/office/drawing/2010/main" val="0"/>
-              </a:ext>
-            </a:extLst>
-          </a:blip>
-          <a:stretch>
-            <a:fillRect/>
-          </a:stretch>
-        </p:blipFill>
-        <p:spPr>
-          <a:xfrm>
-            <a:off x="9342259" y="4683986"/>
-            <a:ext cx="1519844" cy="1519844"/>
-          </a:xfrm>
-          <a:prstGeom prst="rect">
-            <a:avLst/>
-          </a:prstGeom>
-        </p:spPr>
-      </p:pic>
-      <p:sp>
-        <p:nvSpPr>
-          <p:cNvPr id="17" name="Szövegdoboz 16"/>
-          <p:cNvSpPr txBox="1"/>
-          <p:nvPr/>
-        </p:nvSpPr>
-        <p:spPr>
-          <a:xfrm>
-            <a:off x="9342259" y="6308462"/>
-            <a:ext cx="756938" cy="369332"/>
-          </a:xfrm>
-          <a:prstGeom prst="rect">
-            <a:avLst/>
-          </a:prstGeom>
-          <a:noFill/>
-        </p:spPr>
-        <p:txBody>
-          <a:bodyPr wrap="none" rtlCol="0">
-            <a:spAutoFit/>
-          </a:bodyPr>
-          <a:lstStyle/>
-          <a:p>
-            <a:r>
-              <a:rPr lang="hu-HU" dirty="0" err="1" smtClean="0"/>
-              <a:t>Avira</a:t>
-            </a:r>
-            <a:endParaRPr lang="hu-HU" dirty="0"/>
-          </a:p>
-        </p:txBody>
-      </p:sp>
     </p:spTree>
     <p:extLst>
       <p:ext uri="{BB962C8B-B14F-4D97-AF65-F5344CB8AC3E}">
-        <p14:creationId xmlns:p14="http://schemas.microsoft.com/office/powerpoint/2010/main" val="3627340295"/>
+        <p14:creationId xmlns:p14="http://schemas.microsoft.com/office/powerpoint/2010/main" val="215611721"/>
       </p:ext>
     </p:extLst>
   </p:cSld>
@@ -7844,8 +8526,8 @@
         </p:nvSpPr>
         <p:spPr>
           <a:xfrm>
-            <a:off x="646112" y="452718"/>
-            <a:ext cx="7026536" cy="844067"/>
+            <a:off x="646111" y="452718"/>
+            <a:ext cx="9404723" cy="752627"/>
           </a:xfrm>
         </p:spPr>
         <p:txBody>
@@ -7853,9 +8535,29 @@
           <a:lstStyle/>
           <a:p>
             <a:r>
-              <a:rPr lang="hu-HU" dirty="0"/>
-              <a:t>Híres malware támadások</a:t>
-            </a:r>
+              <a:rPr lang="hu-HU" sz="4000" dirty="0" err="1"/>
+              <a:t>Potentially</a:t>
+            </a:r>
+            <a:r>
+              <a:rPr lang="hu-HU" sz="4000" dirty="0"/>
+              <a:t> </a:t>
+            </a:r>
+            <a:r>
+              <a:rPr lang="hu-HU" sz="4000" dirty="0" err="1"/>
+              <a:t>Unwanted</a:t>
+            </a:r>
+            <a:r>
+              <a:rPr lang="hu-HU" sz="4000" dirty="0"/>
+              <a:t> Program (PUP)</a:t>
+            </a:r>
+            <a:r>
+              <a:rPr lang="hu-HU" b="1" dirty="0"/>
+              <a:t/>
+            </a:r>
+            <a:br>
+              <a:rPr lang="hu-HU" b="1" dirty="0"/>
+            </a:br>
+            <a:endParaRPr lang="hu-HU" dirty="0"/>
           </a:p>
         </p:txBody>
       </p:sp>
@@ -7871,204 +8573,109 @@
         </p:nvSpPr>
         <p:spPr>
           <a:xfrm>
-            <a:off x="1103313" y="1524000"/>
-            <a:ext cx="5771312" cy="4724399"/>
+            <a:off x="1103312" y="2052918"/>
+            <a:ext cx="5945188" cy="3865282"/>
           </a:xfrm>
         </p:spPr>
         <p:txBody>
           <a:bodyPr>
-            <a:normAutofit lnSpcReduction="10000"/>
+            <a:normAutofit fontScale="92500" lnSpcReduction="20000"/>
           </a:bodyPr>
           <a:lstStyle/>
           <a:p>
-            <a:r>
-              <a:rPr lang="hu-HU" dirty="0"/>
-              <a:t>Creeper </a:t>
-            </a:r>
-            <a:r>
-              <a:rPr lang="hu-HU" dirty="0" err="1"/>
-              <a:t>virus</a:t>
-            </a:r>
-            <a:r>
-              <a:rPr lang="hu-HU" dirty="0"/>
-              <a:t> (1971)</a:t>
-            </a:r>
-          </a:p>
-          <a:p>
-            <a:r>
-              <a:rPr lang="hu-HU" dirty="0" err="1"/>
-              <a:t>Brain</a:t>
-            </a:r>
-            <a:r>
-              <a:rPr lang="hu-HU" dirty="0"/>
+            <a:pPr>
+              <a:lnSpc>
+                <a:spcPct val="200000"/>
+              </a:lnSpc>
+            </a:pPr>
+            <a:r>
+              <a:rPr lang="hu-HU" dirty="0" smtClean="0"/>
+              <a:t>Nem feltétlenül károsak</a:t>
+            </a:r>
+          </a:p>
+          <a:p>
+            <a:pPr>
+              <a:lnSpc>
+                <a:spcPct val="200000"/>
+              </a:lnSpc>
+            </a:pPr>
+            <a:r>
+              <a:rPr lang="hu-HU" dirty="0" smtClean="0"/>
+              <a:t>Gyakran a felhasználó tölti le/telepíti fel</a:t>
+            </a:r>
+          </a:p>
+          <a:p>
+            <a:pPr>
+              <a:lnSpc>
+                <a:spcPct val="200000"/>
+              </a:lnSpc>
+            </a:pPr>
+            <a:r>
+              <a:rPr lang="hu-HU" dirty="0" smtClean="0"/>
+              <a:t>Ide tartoznak: -</a:t>
+            </a:r>
+            <a:r>
+              <a:rPr lang="hu-HU" dirty="0" err="1" smtClean="0"/>
+              <a:t>adware</a:t>
+            </a:r>
+            <a:endParaRPr lang="hu-HU" dirty="0"/>
+          </a:p>
+          <a:p>
+            <a:pPr marL="0" indent="0">
+              <a:lnSpc>
+                <a:spcPct val="200000"/>
+              </a:lnSpc>
+              <a:buNone/>
+            </a:pPr>
+            <a:r>
+              <a:rPr lang="hu-HU" dirty="0" smtClean="0"/>
+              <a:t>				    -</a:t>
+            </a:r>
+            <a:r>
+              <a:rPr lang="hu-HU" dirty="0" err="1" smtClean="0"/>
+              <a:t>spyware</a:t>
+            </a:r>
+            <a:r>
+              <a:rPr lang="hu-HU" dirty="0" smtClean="0"/>
               <a:t> </a:t>
             </a:r>
-            <a:r>
-              <a:rPr lang="hu-HU" dirty="0" err="1"/>
-              <a:t>virus</a:t>
-            </a:r>
-            <a:r>
-              <a:rPr lang="hu-HU" dirty="0"/>
-              <a:t> (1986)</a:t>
-            </a:r>
-          </a:p>
-          <a:p>
-            <a:r>
-              <a:rPr lang="hu-HU" dirty="0"/>
-              <a:t>Morris </a:t>
-            </a:r>
-            <a:r>
-              <a:rPr lang="hu-HU" dirty="0" err="1"/>
-              <a:t>worm</a:t>
-            </a:r>
-            <a:r>
-              <a:rPr lang="hu-HU" dirty="0"/>
-              <a:t> (1988)</a:t>
-            </a:r>
-          </a:p>
-          <a:p>
-            <a:r>
-              <a:rPr lang="hu-HU" dirty="0"/>
-              <a:t>ILOVEYOU </a:t>
-            </a:r>
-            <a:r>
-              <a:rPr lang="hu-HU" dirty="0" err="1"/>
-              <a:t>worm</a:t>
-            </a:r>
-            <a:r>
-              <a:rPr lang="hu-HU" dirty="0"/>
-              <a:t> (2000)</a:t>
-            </a:r>
-          </a:p>
-          <a:p>
-            <a:r>
-              <a:rPr lang="hu-HU" dirty="0"/>
-              <a:t>Mydoom </a:t>
-            </a:r>
-            <a:r>
-              <a:rPr lang="hu-HU" dirty="0" err="1"/>
-              <a:t>worm</a:t>
-            </a:r>
-            <a:r>
-              <a:rPr lang="hu-HU" dirty="0"/>
-              <a:t> (2004)</a:t>
-            </a:r>
-          </a:p>
-          <a:p>
-            <a:r>
-              <a:rPr lang="hu-HU" dirty="0" err="1"/>
-              <a:t>Zeus</a:t>
-            </a:r>
-            <a:r>
-              <a:rPr lang="hu-HU" dirty="0"/>
+          </a:p>
+          <a:p>
+            <a:pPr marL="0" indent="0">
+              <a:lnSpc>
+                <a:spcPct val="200000"/>
+              </a:lnSpc>
+              <a:buNone/>
+            </a:pPr>
+            <a:r>
+              <a:rPr lang="hu-HU" dirty="0" smtClean="0"/>
+              <a:t>				    -</a:t>
+            </a:r>
+            <a:r>
+              <a:rPr lang="hu-HU" dirty="0" err="1" smtClean="0"/>
+              <a:t>crapware</a:t>
+            </a:r>
+            <a:r>
+              <a:rPr lang="hu-HU" dirty="0" smtClean="0"/>
               <a:t> </a:t>
             </a:r>
-            <a:r>
-              <a:rPr lang="hu-HU" dirty="0" err="1"/>
-              <a:t>trojan</a:t>
-            </a:r>
-            <a:r>
-              <a:rPr lang="hu-HU" dirty="0"/>
-              <a:t> (2007)</a:t>
-            </a:r>
-          </a:p>
-          <a:p>
-            <a:r>
-              <a:rPr lang="hu-HU" dirty="0" err="1"/>
-              <a:t>CryptoLocker</a:t>
-            </a:r>
-            <a:r>
-              <a:rPr lang="hu-HU" dirty="0"/>
-              <a:t> </a:t>
-            </a:r>
-            <a:r>
-              <a:rPr lang="hu-HU" dirty="0" err="1"/>
-              <a:t>ransomware</a:t>
-            </a:r>
-            <a:r>
-              <a:rPr lang="hu-HU" dirty="0"/>
-              <a:t> (2013)</a:t>
-            </a:r>
-          </a:p>
-          <a:p>
-            <a:r>
-              <a:rPr lang="hu-HU" dirty="0" err="1"/>
-              <a:t>Emotet</a:t>
-            </a:r>
-            <a:r>
-              <a:rPr lang="hu-HU" dirty="0"/>
-              <a:t> </a:t>
-            </a:r>
-            <a:r>
-              <a:rPr lang="hu-HU" dirty="0" err="1"/>
-              <a:t>trojan</a:t>
-            </a:r>
-            <a:r>
-              <a:rPr lang="hu-HU" dirty="0"/>
-              <a:t> (2014)</a:t>
-            </a:r>
-          </a:p>
-          <a:p>
-            <a:r>
-              <a:rPr lang="hu-HU" dirty="0" err="1"/>
-              <a:t>Mirai</a:t>
-            </a:r>
-            <a:r>
-              <a:rPr lang="hu-HU" dirty="0"/>
-              <a:t> botnet (2016)</a:t>
-            </a:r>
-          </a:p>
-          <a:p>
-            <a:r>
-              <a:rPr lang="hu-HU" dirty="0" err="1"/>
-              <a:t>Petya</a:t>
-            </a:r>
-            <a:r>
-              <a:rPr lang="hu-HU" dirty="0"/>
-              <a:t> </a:t>
-            </a:r>
-            <a:r>
-              <a:rPr lang="hu-HU" dirty="0" err="1"/>
-              <a:t>ransomware</a:t>
-            </a:r>
-            <a:r>
-              <a:rPr lang="hu-HU" dirty="0"/>
-              <a:t>/</a:t>
-            </a:r>
-            <a:r>
-              <a:rPr lang="hu-HU" dirty="0" err="1"/>
-              <a:t>NotPetya</a:t>
-            </a:r>
-            <a:r>
-              <a:rPr lang="hu-HU" dirty="0"/>
-              <a:t> </a:t>
-            </a:r>
-            <a:r>
-              <a:rPr lang="hu-HU" dirty="0" err="1"/>
-              <a:t>wiper</a:t>
-            </a:r>
-            <a:r>
-              <a:rPr lang="hu-HU" dirty="0"/>
-              <a:t> (2016/7)</a:t>
-            </a:r>
-          </a:p>
-          <a:p>
-            <a:r>
-              <a:rPr lang="hu-HU" dirty="0" err="1"/>
-              <a:t>Clop</a:t>
-            </a:r>
-            <a:r>
-              <a:rPr lang="hu-HU" dirty="0"/>
-              <a:t> </a:t>
-            </a:r>
-            <a:r>
-              <a:rPr lang="hu-HU" dirty="0" err="1"/>
-              <a:t>ransomware</a:t>
-            </a:r>
-            <a:r>
-              <a:rPr lang="hu-HU" dirty="0"/>
-              <a:t> (2019-Present)</a:t>
-            </a:r>
+          </a:p>
+          <a:p>
+            <a:pPr marL="0" indent="0">
+              <a:lnSpc>
+                <a:spcPct val="200000"/>
+              </a:lnSpc>
+              <a:buNone/>
+            </a:pPr>
+            <a:r>
+              <a:rPr lang="hu-HU" dirty="0" smtClean="0"/>
+              <a:t>				    -</a:t>
+            </a:r>
+            <a:r>
+              <a:rPr lang="hu-HU" dirty="0" err="1" smtClean="0"/>
+              <a:t>grayware</a:t>
+            </a:r>
+            <a:endParaRPr lang="hu-HU" dirty="0" smtClean="0"/>
           </a:p>
           <a:p>
             <a:endParaRPr lang="hu-HU" dirty="0"/>
@@ -8078,13 +8685,20 @@
     </p:spTree>
     <p:extLst>
       <p:ext uri="{BB962C8B-B14F-4D97-AF65-F5344CB8AC3E}">
-        <p14:creationId xmlns:p14="http://schemas.microsoft.com/office/powerpoint/2010/main" val="845581862"/>
+        <p14:creationId xmlns:p14="http://schemas.microsoft.com/office/powerpoint/2010/main" val="654922762"/>
       </p:ext>
     </p:extLst>
   </p:cSld>
   <p:clrMapOvr>
     <a:masterClrMapping/>
   </p:clrMapOvr>
+  <p:timing>
+    <p:tnLst>
+      <p:par>
+        <p:cTn id="1" dur="indefinite" restart="never" nodeType="tmRoot"/>
+      </p:par>
+    </p:tnLst>
+  </p:timing>
 </p:sld>
 </file>
 
@@ -8115,32 +8729,38 @@
             <p:ph type="title"/>
           </p:nvPr>
         </p:nvSpPr>
-        <p:spPr/>
+        <p:spPr>
+          <a:xfrm>
+            <a:off x="646111" y="452718"/>
+            <a:ext cx="2421285" cy="711064"/>
+          </a:xfrm>
+        </p:spPr>
         <p:txBody>
           <a:bodyPr/>
           <a:lstStyle/>
           <a:p>
             <a:r>
-              <a:rPr lang="hu-HU" dirty="0"/>
-              <a:t>Híres malware támadások</a:t>
-            </a:r>
-          </a:p>
-        </p:txBody>
-      </p:sp>
-      <p:sp>
-        <p:nvSpPr>
-          <p:cNvPr id="3" name="Tartalom helye 2"/>
-          <p:cNvSpPr>
-            <a:spLocks noGrp="1"/>
-          </p:cNvSpPr>
-          <p:nvPr>
-            <p:ph idx="1"/>
-          </p:nvPr>
-        </p:nvSpPr>
-        <p:spPr>
-          <a:xfrm>
-            <a:off x="1054100" y="1574800"/>
-            <a:ext cx="9271000" cy="4792749"/>
+              <a:rPr lang="hu-HU" dirty="0" smtClean="0"/>
+              <a:t>Antivírus</a:t>
+            </a:r>
+            <a:endParaRPr lang="hu-HU" dirty="0"/>
+          </a:p>
+        </p:txBody>
+      </p:sp>
+      <p:sp>
+        <p:nvSpPr>
+          <p:cNvPr id="4" name="Tartalom helye 3"/>
+          <p:cNvSpPr>
+            <a:spLocks noGrp="1"/>
+          </p:cNvSpPr>
+          <p:nvPr>
+            <p:ph sz="half" idx="1"/>
+          </p:nvPr>
+        </p:nvSpPr>
+        <p:spPr>
+          <a:xfrm>
+            <a:off x="770000" y="2019820"/>
+            <a:ext cx="4396339" cy="1479837"/>
           </a:xfrm>
         </p:spPr>
         <p:txBody>
@@ -8150,55 +8770,444 @@
           <a:lstStyle/>
           <a:p>
             <a:r>
+              <a:rPr lang="hu-HU" dirty="0"/>
+              <a:t>R</a:t>
+            </a:r>
+            <a:r>
               <a:rPr lang="hu-HU" dirty="0" smtClean="0"/>
-              <a:t>Creeper: </a:t>
-            </a:r>
+              <a:t>eaktív védelem: egy a </a:t>
+            </a:r>
+            <a:r>
+              <a:rPr lang="hu-HU" dirty="0" err="1" smtClean="0"/>
+              <a:t>szoftware</a:t>
+            </a:r>
+            <a:r>
+              <a:rPr lang="hu-HU" dirty="0" smtClean="0"/>
+              <a:t> gyártója által kezelt adatbázis alapján működik</a:t>
+            </a:r>
+          </a:p>
+          <a:p>
+            <a:pPr marL="0" indent="0">
+              <a:buNone/>
+            </a:pPr>
+            <a:r>
+              <a:rPr lang="hu-HU" dirty="0" smtClean="0"/>
+              <a:t>Védelem a fejlesztőtől függ</a:t>
+            </a:r>
+          </a:p>
+        </p:txBody>
+      </p:sp>
+      <p:sp>
+        <p:nvSpPr>
+          <p:cNvPr id="5" name="Tartalom helye 4"/>
+          <p:cNvSpPr>
+            <a:spLocks noGrp="1"/>
+          </p:cNvSpPr>
+          <p:nvPr>
+            <p:ph sz="half" idx="2"/>
+          </p:nvPr>
+        </p:nvSpPr>
+        <p:spPr>
+          <a:xfrm>
+            <a:off x="5354432" y="2015339"/>
+            <a:ext cx="4396341" cy="1484318"/>
+          </a:xfrm>
+        </p:spPr>
+        <p:txBody>
+          <a:bodyPr>
+            <a:normAutofit/>
+          </a:bodyPr>
+          <a:lstStyle/>
+          <a:p>
             <a:r>
               <a:rPr lang="hu-HU" dirty="0"/>
-              <a:t>1971-ben</a:t>
+              <a:t>H</a:t>
             </a:r>
             <a:r>
               <a:rPr lang="hu-HU" dirty="0" smtClean="0"/>
-              <a:t> Bob Thomas írta PDP-10-ben. A Creeper sokszorosította magát és az ARPANETen keresztül fertőzött meg új eszközöket. A Creeper nem tett kárt a gépekben csupán csak koncepció bizonyításra szolgált.</a:t>
-            </a:r>
-          </a:p>
-          <a:p>
+              <a:t>eurisztikus vírusvédelem: Algoritmusok alapján azonosítja a vírusokat. </a:t>
+            </a:r>
+          </a:p>
+          <a:p>
+            <a:pPr marL="0" indent="0">
+              <a:buNone/>
+            </a:pPr>
             <a:r>
               <a:rPr lang="hu-HU" dirty="0" smtClean="0"/>
-              <a:t>Mydoom: Emailek által terjedt majd a fertőzött eszközt arra használta, hogy tovább terjedjen valamint DDoS támadásokat indított az SCO(</a:t>
-            </a:r>
+              <a:t>Napjainkban egyre fontosabb</a:t>
+            </a:r>
+            <a:endParaRPr lang="hu-HU" dirty="0"/>
+          </a:p>
+        </p:txBody>
+      </p:sp>
+      <p:sp>
+        <p:nvSpPr>
+          <p:cNvPr id="6" name="Szövegdoboz 5"/>
+          <p:cNvSpPr txBox="1"/>
+          <p:nvPr/>
+        </p:nvSpPr>
+        <p:spPr>
+          <a:xfrm>
+            <a:off x="770000" y="1529744"/>
+            <a:ext cx="2125903" cy="369332"/>
+          </a:xfrm>
+          <a:prstGeom prst="rect">
+            <a:avLst/>
+          </a:prstGeom>
+          <a:noFill/>
+        </p:spPr>
+        <p:txBody>
+          <a:bodyPr wrap="square" rtlCol="0">
+            <a:spAutoFit/>
+          </a:bodyPr>
+          <a:lstStyle/>
+          <a:p>
+            <a:r>
+              <a:rPr lang="hu-HU" dirty="0" smtClean="0"/>
+              <a:t>Két fő típusa van:</a:t>
+            </a:r>
+            <a:endParaRPr lang="hu-HU" dirty="0"/>
+          </a:p>
+        </p:txBody>
+      </p:sp>
+      <p:pic>
+        <p:nvPicPr>
+          <p:cNvPr id="7" name="Kép 6"/>
+          <p:cNvPicPr>
+            <a:picLocks noChangeAspect="1"/>
+          </p:cNvPicPr>
+          <p:nvPr/>
+        </p:nvPicPr>
+        <p:blipFill>
+          <a:blip r:embed="rId2">
+            <a:extLst>
+              <a:ext uri="{28A0092B-C50C-407E-A947-70E740481C1C}">
+                <a14:useLocalDpi xmlns:a14="http://schemas.microsoft.com/office/drawing/2010/main" val="0"/>
+              </a:ext>
+            </a:extLst>
+          </a:blip>
+          <a:stretch>
+            <a:fillRect/>
+          </a:stretch>
+        </p:blipFill>
+        <p:spPr>
+          <a:xfrm>
+            <a:off x="646111" y="4655126"/>
+            <a:ext cx="1519844" cy="1519844"/>
+          </a:xfrm>
+          <a:prstGeom prst="rect">
+            <a:avLst/>
+          </a:prstGeom>
+        </p:spPr>
+      </p:pic>
+      <p:pic>
+        <p:nvPicPr>
+          <p:cNvPr id="8" name="Kép 7"/>
+          <p:cNvPicPr>
+            <a:picLocks noChangeAspect="1"/>
+          </p:cNvPicPr>
+          <p:nvPr/>
+        </p:nvPicPr>
+        <p:blipFill>
+          <a:blip r:embed="rId3">
+            <a:extLst>
+              <a:ext uri="{28A0092B-C50C-407E-A947-70E740481C1C}">
+                <a14:useLocalDpi xmlns:a14="http://schemas.microsoft.com/office/drawing/2010/main" val="0"/>
+              </a:ext>
+            </a:extLst>
+          </a:blip>
+          <a:stretch>
+            <a:fillRect/>
+          </a:stretch>
+        </p:blipFill>
+        <p:spPr>
+          <a:xfrm>
+            <a:off x="2522213" y="4655126"/>
+            <a:ext cx="2751763" cy="1548704"/>
+          </a:xfrm>
+          <a:prstGeom prst="rect">
+            <a:avLst/>
+          </a:prstGeom>
+        </p:spPr>
+      </p:pic>
+      <p:pic>
+        <p:nvPicPr>
+          <p:cNvPr id="9" name="Kép 8"/>
+          <p:cNvPicPr>
+            <a:picLocks noChangeAspect="1"/>
+          </p:cNvPicPr>
+          <p:nvPr/>
+        </p:nvPicPr>
+        <p:blipFill>
+          <a:blip r:embed="rId4">
+            <a:extLst>
+              <a:ext uri="{28A0092B-C50C-407E-A947-70E740481C1C}">
+                <a14:useLocalDpi xmlns:a14="http://schemas.microsoft.com/office/drawing/2010/main" val="0"/>
+              </a:ext>
+            </a:extLst>
+          </a:blip>
+          <a:stretch>
+            <a:fillRect/>
+          </a:stretch>
+        </p:blipFill>
+        <p:spPr>
+          <a:xfrm>
+            <a:off x="5630234" y="4683986"/>
+            <a:ext cx="1519844" cy="1519844"/>
+          </a:xfrm>
+          <a:prstGeom prst="rect">
+            <a:avLst/>
+          </a:prstGeom>
+        </p:spPr>
+      </p:pic>
+      <p:sp>
+        <p:nvSpPr>
+          <p:cNvPr id="10" name="Szövegdoboz 9"/>
+          <p:cNvSpPr txBox="1"/>
+          <p:nvPr/>
+        </p:nvSpPr>
+        <p:spPr>
+          <a:xfrm>
+            <a:off x="646111" y="6291231"/>
+            <a:ext cx="1768433" cy="369332"/>
+          </a:xfrm>
+          <a:prstGeom prst="rect">
+            <a:avLst/>
+          </a:prstGeom>
+          <a:noFill/>
+        </p:spPr>
+        <p:txBody>
+          <a:bodyPr wrap="none" rtlCol="0">
+            <a:spAutoFit/>
+          </a:bodyPr>
+          <a:lstStyle/>
+          <a:p>
+            <a:r>
+              <a:rPr lang="hu-HU" dirty="0" err="1" smtClean="0"/>
+              <a:t>Malwarebytes</a:t>
+            </a:r>
+            <a:endParaRPr lang="hu-HU" dirty="0"/>
+          </a:p>
+        </p:txBody>
+      </p:sp>
+      <p:sp>
+        <p:nvSpPr>
+          <p:cNvPr id="11" name="Szövegdoboz 10"/>
+          <p:cNvSpPr txBox="1"/>
+          <p:nvPr/>
+        </p:nvSpPr>
+        <p:spPr>
+          <a:xfrm>
+            <a:off x="2522213" y="6283241"/>
+            <a:ext cx="809837" cy="369332"/>
+          </a:xfrm>
+          <a:prstGeom prst="rect">
+            <a:avLst/>
+          </a:prstGeom>
+          <a:noFill/>
+        </p:spPr>
+        <p:txBody>
+          <a:bodyPr wrap="none" rtlCol="0">
+            <a:spAutoFit/>
+          </a:bodyPr>
+          <a:lstStyle/>
+          <a:p>
+            <a:r>
+              <a:rPr lang="hu-HU" dirty="0" smtClean="0"/>
+              <a:t>Avast</a:t>
+            </a:r>
+            <a:endParaRPr lang="hu-HU" dirty="0"/>
+          </a:p>
+        </p:txBody>
+      </p:sp>
+      <p:sp>
+        <p:nvSpPr>
+          <p:cNvPr id="12" name="Szövegdoboz 11"/>
+          <p:cNvSpPr txBox="1"/>
+          <p:nvPr/>
+        </p:nvSpPr>
+        <p:spPr>
+          <a:xfrm>
+            <a:off x="5630234" y="6291231"/>
+            <a:ext cx="720069" cy="369332"/>
+          </a:xfrm>
+          <a:prstGeom prst="rect">
+            <a:avLst/>
+          </a:prstGeom>
+          <a:noFill/>
+        </p:spPr>
+        <p:txBody>
+          <a:bodyPr wrap="none" rtlCol="0">
+            <a:spAutoFit/>
+          </a:bodyPr>
+          <a:lstStyle/>
+          <a:p>
+            <a:r>
+              <a:rPr lang="hu-HU" dirty="0" smtClean="0"/>
+              <a:t>AVG</a:t>
+            </a:r>
+            <a:endParaRPr lang="hu-HU" dirty="0"/>
+          </a:p>
+        </p:txBody>
+      </p:sp>
+      <p:sp>
+        <p:nvSpPr>
+          <p:cNvPr id="13" name="Szövegdoboz 12"/>
+          <p:cNvSpPr txBox="1"/>
+          <p:nvPr/>
+        </p:nvSpPr>
+        <p:spPr>
+          <a:xfrm>
+            <a:off x="7506336" y="6291231"/>
+            <a:ext cx="1820487" cy="369332"/>
+          </a:xfrm>
+          <a:prstGeom prst="rect">
+            <a:avLst/>
+          </a:prstGeom>
+          <a:noFill/>
+        </p:spPr>
+        <p:txBody>
+          <a:bodyPr wrap="square" rtlCol="0">
+            <a:spAutoFit/>
+          </a:bodyPr>
+          <a:lstStyle/>
+          <a:p>
             <a:r>
               <a:rPr lang="hu-HU" dirty="0"/>
-              <a:t>Sanghaji Együttműködési </a:t>
+              <a:t>ESET</a:t>
+            </a:r>
+            <a:r>
+              <a:rPr lang="hu-HU" b="1" dirty="0"/>
+              <a:t> </a:t>
             </a:r>
             <a:r>
               <a:rPr lang="hu-HU" dirty="0" smtClean="0"/>
-              <a:t>Szervezet) és Microsoft ellen. A mai napig nem tudni ki készítette és miért.</a:t>
-            </a:r>
-          </a:p>
+              <a:t>NOD32</a:t>
+            </a:r>
+            <a:endParaRPr lang="hu-HU" dirty="0"/>
+          </a:p>
+        </p:txBody>
+      </p:sp>
+      <p:pic>
+        <p:nvPicPr>
+          <p:cNvPr id="14" name="Kép 13"/>
+          <p:cNvPicPr>
+            <a:picLocks noChangeAspect="1"/>
+          </p:cNvPicPr>
+          <p:nvPr/>
+        </p:nvPicPr>
+        <p:blipFill>
+          <a:blip r:embed="rId5">
+            <a:extLst>
+              <a:ext uri="{28A0092B-C50C-407E-A947-70E740481C1C}">
+                <a14:useLocalDpi xmlns:a14="http://schemas.microsoft.com/office/drawing/2010/main" val="0"/>
+              </a:ext>
+            </a:extLst>
+          </a:blip>
+          <a:stretch>
+            <a:fillRect/>
+          </a:stretch>
+        </p:blipFill>
+        <p:spPr>
+          <a:xfrm>
+            <a:off x="7506336" y="4683986"/>
+            <a:ext cx="1479665" cy="1519844"/>
+          </a:xfrm>
+          <a:prstGeom prst="rect">
+            <a:avLst/>
+          </a:prstGeom>
+        </p:spPr>
+      </p:pic>
+      <p:sp>
+        <p:nvSpPr>
+          <p:cNvPr id="15" name="Szövegdoboz 14"/>
+          <p:cNvSpPr txBox="1"/>
+          <p:nvPr/>
+        </p:nvSpPr>
+        <p:spPr>
+          <a:xfrm>
+            <a:off x="4264429" y="3815542"/>
+            <a:ext cx="3057247" cy="369332"/>
+          </a:xfrm>
+          <a:prstGeom prst="rect">
+            <a:avLst/>
+          </a:prstGeom>
+          <a:noFill/>
+        </p:spPr>
+        <p:txBody>
+          <a:bodyPr wrap="none" rtlCol="0">
+            <a:spAutoFit/>
+          </a:bodyPr>
+          <a:lstStyle/>
           <a:p>
             <a:r>
               <a:rPr lang="hu-HU" dirty="0" smtClean="0"/>
-              <a:t>Morris féreg: Az első olyan malware ami saját magától terjedt és nem volt szüksége más programra. Csupán </a:t>
-            </a:r>
-            <a:r>
-              <a:rPr lang="hu-HU" dirty="0"/>
-              <a:t>koncepció bizonyításra </a:t>
-            </a:r>
-            <a:r>
-              <a:rPr lang="hu-HU" dirty="0" smtClean="0"/>
-              <a:t>szolgált azonban komoly anyagi kárt okozott mivel a terjedése alatt számtalan eszközt megfagyasztott.</a:t>
-            </a:r>
-            <a:br>
-              <a:rPr lang="hu-HU" dirty="0" smtClean="0"/>
-            </a:br>
-            <a:r>
-              <a:rPr lang="hu-HU" dirty="0" smtClean="0"/>
-              <a:t>Alkotója Robert Morris próbált javítani a helyzeten és csökkenteni a kárt azonban ő volt az első ember akit elítéltek számítógépes csalás miatt.</a:t>
+              <a:t>Néhány híresebb </a:t>
+            </a:r>
+            <a:r>
+              <a:rPr lang="hu-HU" dirty="0" err="1" smtClean="0"/>
+              <a:t>antivírus</a:t>
             </a:r>
             <a:endParaRPr lang="hu-HU" dirty="0"/>
           </a:p>
-          <a:p>
+        </p:txBody>
+      </p:sp>
+      <p:pic>
+        <p:nvPicPr>
+          <p:cNvPr id="16" name="Kép 15"/>
+          <p:cNvPicPr>
+            <a:picLocks noChangeAspect="1"/>
+          </p:cNvPicPr>
+          <p:nvPr/>
+        </p:nvPicPr>
+        <p:blipFill>
+          <a:blip r:embed="rId6">
+            <a:extLst>
+              <a:ext uri="{28A0092B-C50C-407E-A947-70E740481C1C}">
+                <a14:useLocalDpi xmlns:a14="http://schemas.microsoft.com/office/drawing/2010/main" val="0"/>
+              </a:ext>
+            </a:extLst>
+          </a:blip>
+          <a:stretch>
+            <a:fillRect/>
+          </a:stretch>
+        </p:blipFill>
+        <p:spPr>
+          <a:xfrm>
+            <a:off x="9342259" y="4683986"/>
+            <a:ext cx="1519844" cy="1519844"/>
+          </a:xfrm>
+          <a:prstGeom prst="rect">
+            <a:avLst/>
+          </a:prstGeom>
+        </p:spPr>
+      </p:pic>
+      <p:sp>
+        <p:nvSpPr>
+          <p:cNvPr id="17" name="Szövegdoboz 16"/>
+          <p:cNvSpPr txBox="1"/>
+          <p:nvPr/>
+        </p:nvSpPr>
+        <p:spPr>
+          <a:xfrm>
+            <a:off x="9342259" y="6308462"/>
+            <a:ext cx="756938" cy="369332"/>
+          </a:xfrm>
+          <a:prstGeom prst="rect">
+            <a:avLst/>
+          </a:prstGeom>
+          <a:noFill/>
+        </p:spPr>
+        <p:txBody>
+          <a:bodyPr wrap="none" rtlCol="0">
+            <a:spAutoFit/>
+          </a:bodyPr>
+          <a:lstStyle/>
+          <a:p>
+            <a:r>
+              <a:rPr lang="hu-HU" dirty="0" err="1" smtClean="0"/>
+              <a:t>Avira</a:t>
+            </a:r>
             <a:endParaRPr lang="hu-HU" dirty="0"/>
           </a:p>
         </p:txBody>
@@ -8206,13 +9215,20 @@
     </p:spTree>
     <p:extLst>
       <p:ext uri="{BB962C8B-B14F-4D97-AF65-F5344CB8AC3E}">
-        <p14:creationId xmlns:p14="http://schemas.microsoft.com/office/powerpoint/2010/main" val="1509620940"/>
+        <p14:creationId xmlns:p14="http://schemas.microsoft.com/office/powerpoint/2010/main" val="3627340295"/>
       </p:ext>
     </p:extLst>
   </p:cSld>
   <p:clrMapOvr>
     <a:masterClrMapping/>
   </p:clrMapOvr>
+  <p:timing>
+    <p:tnLst>
+      <p:par>
+        <p:cTn id="1" dur="indefinite" restart="never" nodeType="tmRoot"/>
+      </p:par>
+    </p:tnLst>
+  </p:timing>
 </p:sld>
 </file>
 
